--- a/Teste Carga.pptx
+++ b/Teste Carga.pptx
@@ -273,7 +273,7 @@
           <a:p>
             <a:fld id="{C43A76A3-ADC8-4477-8FC1-B9DD55D84908}" type="datetime1">
               <a:rPr lang="en-US" smtClean="0"/>
-              <a:t>10/26/2025</a:t>
+              <a:t>10/27/2025</a:t>
             </a:fld>
             <a:endParaRPr lang="en-US" dirty="0"/>
           </a:p>
@@ -471,7 +471,7 @@
           <a:p>
             <a:fld id="{D6762538-DC4D-4667-96E5-B3278DDF8B12}" type="datetime1">
               <a:rPr lang="en-US" smtClean="0"/>
-              <a:t>10/26/2025</a:t>
+              <a:t>10/27/2025</a:t>
             </a:fld>
             <a:endParaRPr lang="en-US"/>
           </a:p>
@@ -679,7 +679,7 @@
           <a:p>
             <a:fld id="{05880548-5C08-4BE3-B63E-F2BB63B0B00C}" type="datetime1">
               <a:rPr lang="en-US" smtClean="0"/>
-              <a:t>10/26/2025</a:t>
+              <a:t>10/27/2025</a:t>
             </a:fld>
             <a:endParaRPr lang="en-US"/>
           </a:p>
@@ -877,7 +877,7 @@
           <a:p>
             <a:fld id="{DE7F49BE-398D-479A-8A7E-5DDBCA61EDCB}" type="datetime1">
               <a:rPr lang="en-US" smtClean="0"/>
-              <a:t>10/26/2025</a:t>
+              <a:t>10/27/2025</a:t>
             </a:fld>
             <a:endParaRPr lang="en-US"/>
           </a:p>
@@ -1153,7 +1153,7 @@
           <a:p>
             <a:fld id="{CCD0C193-4974-4A1F-9C63-07D595E30D66}" type="datetime1">
               <a:rPr lang="en-US" smtClean="0"/>
-              <a:t>10/26/2025</a:t>
+              <a:t>10/27/2025</a:t>
             </a:fld>
             <a:endParaRPr lang="en-US"/>
           </a:p>
@@ -1420,7 +1420,7 @@
           <a:p>
             <a:fld id="{701AA87F-28D4-4BF0-B81F-877A89DFD5AC}" type="datetime1">
               <a:rPr lang="en-US" smtClean="0"/>
-              <a:t>10/26/2025</a:t>
+              <a:t>10/27/2025</a:t>
             </a:fld>
             <a:endParaRPr lang="en-US"/>
           </a:p>
@@ -1834,7 +1834,7 @@
           <a:p>
             <a:fld id="{A8A9F1F3-208B-49A3-B337-9C8ACEB3E0E1}" type="datetime1">
               <a:rPr lang="en-US" smtClean="0"/>
-              <a:t>10/26/2025</a:t>
+              <a:t>10/27/2025</a:t>
             </a:fld>
             <a:endParaRPr lang="en-US"/>
           </a:p>
@@ -1981,7 +1981,7 @@
           <a:p>
             <a:fld id="{27AF6CA6-7293-4AA2-A0E0-A3BF4416E786}" type="datetime1">
               <a:rPr lang="en-US" smtClean="0"/>
-              <a:t>10/26/2025</a:t>
+              <a:t>10/27/2025</a:t>
             </a:fld>
             <a:endParaRPr lang="en-US"/>
           </a:p>
@@ -2094,7 +2094,7 @@
           <a:p>
             <a:fld id="{98D87016-7BCD-46FB-8EE3-AB6C369108B4}" type="datetime1">
               <a:rPr lang="en-US" smtClean="0"/>
-              <a:t>10/26/2025</a:t>
+              <a:t>10/27/2025</a:t>
             </a:fld>
             <a:endParaRPr lang="en-US"/>
           </a:p>
@@ -2413,7 +2413,7 @@
           <a:p>
             <a:fld id="{A1547011-1FFC-4EF8-9A2E-53B4AD2ADBD4}" type="datetime1">
               <a:rPr lang="en-US" smtClean="0"/>
-              <a:t>10/26/2025</a:t>
+              <a:t>10/27/2025</a:t>
             </a:fld>
             <a:endParaRPr lang="en-US"/>
           </a:p>
@@ -2708,7 +2708,7 @@
           <a:p>
             <a:fld id="{9562EB47-45B4-4EF5-A743-B4885DD2F060}" type="datetime1">
               <a:rPr lang="en-US" smtClean="0"/>
-              <a:t>10/26/2025</a:t>
+              <a:t>10/27/2025</a:t>
             </a:fld>
             <a:endParaRPr lang="en-US"/>
           </a:p>
@@ -4093,7 +4093,7 @@
           <a:p>
             <a:fld id="{4A8D24A4-5FEC-4062-8995-EB21925B3B40}" type="datetime1">
               <a:rPr lang="en-US" smtClean="0"/>
-              <a:t>10/26/2025</a:t>
+              <a:t>10/27/2025</a:t>
             </a:fld>
             <a:endParaRPr lang="en-US" sz="1000" dirty="0"/>
           </a:p>
@@ -5654,7 +5654,7 @@
         </p:blipFill>
         <p:spPr>
           <a:xfrm>
-            <a:off x="1525" y="10"/>
+            <a:off x="6350" y="119280"/>
             <a:ext cx="12188951" cy="6857990"/>
           </a:xfrm>
           <a:prstGeom prst="rect">
@@ -6261,999 +6261,175 @@
       </p:sp>
       <p:sp>
         <p:nvSpPr>
-          <p:cNvPr id="3" name="Subtítulo 2">
-            <a:extLst>
-              <a:ext uri="{FF2B5EF4-FFF2-40B4-BE49-F238E27FC236}">
-                <a16:creationId xmlns:a16="http://schemas.microsoft.com/office/drawing/2014/main" id="{06345FF6-F692-02BE-9C99-E37E62FE40D9}"/>
+          <p:cNvPr id="5" name="Rectangle 1">
+            <a:extLst>
+              <a:ext uri="{FF2B5EF4-FFF2-40B4-BE49-F238E27FC236}">
+                <a16:creationId xmlns:a16="http://schemas.microsoft.com/office/drawing/2014/main" id="{A66BB784-F632-9442-86E2-BF7E79D340A7}"/>
               </a:ext>
             </a:extLst>
           </p:cNvPr>
           <p:cNvSpPr>
-            <a:spLocks noGrp="1"/>
+            <a:spLocks noGrp="1" noChangeArrowheads="1"/>
           </p:cNvSpPr>
           <p:nvPr>
             <p:ph type="subTitle" idx="1"/>
           </p:nvPr>
         </p:nvSpPr>
-        <p:spPr>
+        <p:spPr bwMode="auto">
           <a:xfrm>
-            <a:off x="3437" y="2969435"/>
-            <a:ext cx="12182077" cy="3035987"/>
+            <a:off x="3175" y="3703033"/>
+            <a:ext cx="11777583" cy="1569660"/>
           </a:xfrm>
+          <a:prstGeom prst="rect">
+            <a:avLst/>
+          </a:prstGeom>
+          <a:noFill/>
+          <a:ln>
+            <a:noFill/>
+          </a:ln>
+          <a:effectLst/>
+          <a:extLst>
+            <a:ext uri="{909E8E84-426E-40DD-AFC4-6F175D3DCCD1}">
+              <a14:hiddenFill xmlns:a14="http://schemas.microsoft.com/office/drawing/2010/main">
+                <a:solidFill>
+                  <a:schemeClr val="accent1"/>
+                </a:solidFill>
+              </a14:hiddenFill>
+            </a:ext>
+            <a:ext uri="{91240B29-F687-4F45-9708-019B960494DF}">
+              <a14:hiddenLine xmlns:a14="http://schemas.microsoft.com/office/drawing/2010/main" w="9525">
+                <a:solidFill>
+                  <a:schemeClr val="tx1"/>
+                </a:solidFill>
+                <a:miter lim="800000"/>
+                <a:headEnd/>
+                <a:tailEnd/>
+              </a14:hiddenLine>
+            </a:ext>
+            <a:ext uri="{AF507438-7753-43E0-B8FC-AC1667EBCBE1}">
+              <a14:hiddenEffects xmlns:a14="http://schemas.microsoft.com/office/drawing/2010/main">
+                <a:effectLst>
+                  <a:outerShdw dist="35921" dir="2700000" algn="ctr" rotWithShape="0">
+                    <a:schemeClr val="bg2"/>
+                  </a:outerShdw>
+                </a:effectLst>
+              </a14:hiddenEffects>
+            </a:ext>
+          </a:extLst>
         </p:spPr>
         <p:txBody>
-          <a:bodyPr vert="horz" lIns="91440" tIns="45720" rIns="91440" bIns="45720" rtlCol="0" anchor="t">
-            <a:normAutofit/>
+          <a:bodyPr vert="horz" wrap="none" lIns="91440" tIns="45720" rIns="91440" bIns="45720" numCol="1" anchor="ctr" anchorCtr="0" compatLnSpc="1">
+            <a:prstTxWarp prst="textNoShape">
+              <a:avLst/>
+            </a:prstTxWarp>
+            <a:spAutoFit/>
           </a:bodyPr>
           <a:lstStyle/>
           <a:p>
-            <a:endParaRPr lang="pt-BR"/>
-          </a:p>
-          <a:p>
-            <a:r>
-              <a:rPr lang="de-DE" dirty="0">
+            <a:pPr marL="0" marR="0" lvl="0" indent="0" algn="l" defTabSz="914400" rtl="0" eaLnBrk="0" fontAlgn="base" latinLnBrk="0" hangingPunct="0">
+              <a:lnSpc>
+                <a:spcPct val="100000"/>
+              </a:lnSpc>
+              <a:spcBef>
+                <a:spcPct val="0"/>
+              </a:spcBef>
+              <a:spcAft>
+                <a:spcPct val="0"/>
+              </a:spcAft>
+              <a:buClrTx/>
+              <a:buSzTx/>
+              <a:buFontTx/>
+              <a:buNone/>
+              <a:tabLst/>
+            </a:pPr>
+            <a:r>
+              <a:rPr kumimoji="0" lang="pt-BR" altLang="pt-BR" b="0" i="0" u="none" strike="noStrike" cap="none" normalizeH="0" baseline="0" dirty="0">
+                <a:ln>
+                  <a:noFill/>
+                </a:ln>
                 <a:solidFill>
                   <a:schemeClr val="bg1"/>
                 </a:solidFill>
-                <a:ea typeface="+mn-lt"/>
-                <a:cs typeface="+mn-lt"/>
+                <a:effectLst/>
+                <a:latin typeface="Arial" panose="020B0604020202020204" pitchFamily="34" charset="0"/>
               </a:rPr>
-              <a:t>O teste de </a:t>
-            </a:r>
-            <a:r>
-              <a:rPr lang="de-DE" dirty="0" err="1">
+              <a:t>O teste de carga avalia a eficiência e capacidade de desempenho de uma aplicação.</a:t>
+            </a:r>
+            <a:br>
+              <a:rPr kumimoji="0" lang="pt-BR" altLang="pt-BR" b="0" i="0" u="none" strike="noStrike" cap="none" normalizeH="0" baseline="0" dirty="0">
+                <a:ln>
+                  <a:noFill/>
+                </a:ln>
                 <a:solidFill>
                   <a:schemeClr val="bg1"/>
                 </a:solidFill>
-                <a:ea typeface="+mn-lt"/>
-                <a:cs typeface="+mn-lt"/>
+                <a:effectLst/>
+                <a:latin typeface="Arial" panose="020B0604020202020204" pitchFamily="34" charset="0"/>
               </a:rPr>
-              <a:t>carga</a:t>
-            </a:r>
-            <a:r>
-              <a:rPr lang="de-DE" dirty="0">
+            </a:br>
+            <a:r>
+              <a:rPr kumimoji="0" lang="pt-BR" altLang="pt-BR" b="0" i="0" u="none" strike="noStrike" cap="none" normalizeH="0" baseline="0" dirty="0">
+                <a:ln>
+                  <a:noFill/>
+                </a:ln>
                 <a:solidFill>
                   <a:schemeClr val="bg1"/>
                 </a:solidFill>
-                <a:ea typeface="+mn-lt"/>
-                <a:cs typeface="+mn-lt"/>
+                <a:effectLst/>
+                <a:latin typeface="Arial" panose="020B0604020202020204" pitchFamily="34" charset="0"/>
               </a:rPr>
-              <a:t> é um </a:t>
-            </a:r>
-            <a:r>
-              <a:rPr lang="de-DE" dirty="0" err="1">
+              <a:t>Simula o acesso simultâneo de muitos usuários.</a:t>
+            </a:r>
+            <a:br>
+              <a:rPr kumimoji="0" lang="pt-BR" altLang="pt-BR" b="0" i="0" u="none" strike="noStrike" cap="none" normalizeH="0" baseline="0" dirty="0">
+                <a:ln>
+                  <a:noFill/>
+                </a:ln>
                 <a:solidFill>
                   <a:schemeClr val="bg1"/>
                 </a:solidFill>
-                <a:ea typeface="+mn-lt"/>
-                <a:cs typeface="+mn-lt"/>
+                <a:effectLst/>
+                <a:latin typeface="Arial" panose="020B0604020202020204" pitchFamily="34" charset="0"/>
               </a:rPr>
-              <a:t>tipo</a:t>
-            </a:r>
-            <a:r>
-              <a:rPr lang="de-DE" dirty="0">
+            </a:br>
+            <a:r>
+              <a:rPr kumimoji="0" lang="pt-BR" altLang="pt-BR" b="0" i="0" u="none" strike="noStrike" cap="none" normalizeH="0" baseline="0" dirty="0">
+                <a:ln>
+                  <a:noFill/>
+                </a:ln>
                 <a:solidFill>
                   <a:schemeClr val="bg1"/>
                 </a:solidFill>
-                <a:ea typeface="+mn-lt"/>
-                <a:cs typeface="+mn-lt"/>
+                <a:effectLst/>
+                <a:latin typeface="Arial" panose="020B0604020202020204" pitchFamily="34" charset="0"/>
               </a:rPr>
-              <a:t> de teste de </a:t>
-            </a:r>
-            <a:r>
-              <a:rPr lang="de-DE" dirty="0" err="1">
+              <a:t>É essencial para verificar o desempenho antes do lançamento.</a:t>
+            </a:r>
+            <a:br>
+              <a:rPr kumimoji="0" lang="pt-BR" altLang="pt-BR" b="0" i="0" u="none" strike="noStrike" cap="none" normalizeH="0" baseline="0" dirty="0">
+                <a:ln>
+                  <a:noFill/>
+                </a:ln>
                 <a:solidFill>
                   <a:schemeClr val="bg1"/>
                 </a:solidFill>
-                <a:ea typeface="+mn-lt"/>
-                <a:cs typeface="+mn-lt"/>
+                <a:effectLst/>
+                <a:latin typeface="Arial" panose="020B0604020202020204" pitchFamily="34" charset="0"/>
               </a:rPr>
-              <a:t>desempenho</a:t>
-            </a:r>
-            <a:r>
-              <a:rPr lang="de-DE" dirty="0">
+            </a:br>
+            <a:r>
+              <a:rPr kumimoji="0" lang="pt-BR" altLang="pt-BR" b="0" i="0" u="none" strike="noStrike" cap="none" normalizeH="0" baseline="0" dirty="0">
+                <a:ln>
+                  <a:noFill/>
+                </a:ln>
                 <a:solidFill>
                   <a:schemeClr val="bg1"/>
                 </a:solidFill>
-                <a:ea typeface="+mn-lt"/>
-                <a:cs typeface="+mn-lt"/>
+                <a:effectLst/>
+                <a:latin typeface="Arial" panose="020B0604020202020204" pitchFamily="34" charset="0"/>
               </a:rPr>
-              <a:t> </a:t>
-            </a:r>
-            <a:r>
-              <a:rPr lang="de-DE" dirty="0" err="1">
-                <a:solidFill>
-                  <a:schemeClr val="bg1"/>
-                </a:solidFill>
-                <a:ea typeface="+mn-lt"/>
-                <a:cs typeface="+mn-lt"/>
-              </a:rPr>
-              <a:t>que</a:t>
-            </a:r>
-            <a:r>
-              <a:rPr lang="de-DE" dirty="0">
-                <a:solidFill>
-                  <a:schemeClr val="bg1"/>
-                </a:solidFill>
-                <a:ea typeface="+mn-lt"/>
-                <a:cs typeface="+mn-lt"/>
-              </a:rPr>
-              <a:t> é </a:t>
-            </a:r>
-            <a:r>
-              <a:rPr lang="de-DE" dirty="0" err="1">
-                <a:solidFill>
-                  <a:schemeClr val="bg1"/>
-                </a:solidFill>
-                <a:ea typeface="+mn-lt"/>
-                <a:cs typeface="+mn-lt"/>
-              </a:rPr>
-              <a:t>usado</a:t>
-            </a:r>
-            <a:r>
-              <a:rPr lang="de-DE" dirty="0">
-                <a:solidFill>
-                  <a:schemeClr val="bg1"/>
-                </a:solidFill>
-                <a:ea typeface="+mn-lt"/>
-                <a:cs typeface="+mn-lt"/>
-              </a:rPr>
-              <a:t> </a:t>
-            </a:r>
-            <a:r>
-              <a:rPr lang="de-DE" dirty="0" err="1">
-                <a:solidFill>
-                  <a:schemeClr val="bg1"/>
-                </a:solidFill>
-                <a:ea typeface="+mn-lt"/>
-                <a:cs typeface="+mn-lt"/>
-              </a:rPr>
-              <a:t>para</a:t>
-            </a:r>
-            <a:r>
-              <a:rPr lang="de-DE" dirty="0">
-                <a:solidFill>
-                  <a:schemeClr val="bg1"/>
-                </a:solidFill>
-                <a:ea typeface="+mn-lt"/>
-                <a:cs typeface="+mn-lt"/>
-              </a:rPr>
-              <a:t> </a:t>
-            </a:r>
-            <a:r>
-              <a:rPr lang="de-DE" dirty="0" err="1">
-                <a:solidFill>
-                  <a:schemeClr val="bg1"/>
-                </a:solidFill>
-                <a:ea typeface="+mn-lt"/>
-                <a:cs typeface="+mn-lt"/>
-              </a:rPr>
-              <a:t>determinar</a:t>
-            </a:r>
-            <a:r>
-              <a:rPr lang="de-DE" dirty="0">
-                <a:solidFill>
-                  <a:schemeClr val="bg1"/>
-                </a:solidFill>
-                <a:ea typeface="+mn-lt"/>
-                <a:cs typeface="+mn-lt"/>
-              </a:rPr>
-              <a:t> e </a:t>
-            </a:r>
-            <a:r>
-              <a:rPr lang="de-DE" dirty="0" err="1">
-                <a:solidFill>
-                  <a:schemeClr val="bg1"/>
-                </a:solidFill>
-                <a:ea typeface="+mn-lt"/>
-                <a:cs typeface="+mn-lt"/>
-              </a:rPr>
-              <a:t>verificar</a:t>
-            </a:r>
-            <a:r>
-              <a:rPr lang="de-DE" dirty="0">
-                <a:solidFill>
-                  <a:schemeClr val="bg1"/>
-                </a:solidFill>
-                <a:ea typeface="+mn-lt"/>
-                <a:cs typeface="+mn-lt"/>
-              </a:rPr>
-              <a:t> a </a:t>
-            </a:r>
-            <a:r>
-              <a:rPr lang="de-DE" dirty="0" err="1">
-                <a:solidFill>
-                  <a:schemeClr val="bg1"/>
-                </a:solidFill>
-                <a:ea typeface="+mn-lt"/>
-                <a:cs typeface="+mn-lt"/>
-              </a:rPr>
-              <a:t>eficiência</a:t>
-            </a:r>
-            <a:r>
-              <a:rPr lang="de-DE" dirty="0">
-                <a:solidFill>
-                  <a:schemeClr val="bg1"/>
-                </a:solidFill>
-                <a:ea typeface="+mn-lt"/>
-                <a:cs typeface="+mn-lt"/>
-              </a:rPr>
-              <a:t> e </a:t>
-            </a:r>
-            <a:r>
-              <a:rPr lang="de-DE" dirty="0" err="1">
-                <a:solidFill>
-                  <a:schemeClr val="bg1"/>
-                </a:solidFill>
-                <a:ea typeface="+mn-lt"/>
-                <a:cs typeface="+mn-lt"/>
-              </a:rPr>
-              <a:t>capacidade</a:t>
-            </a:r>
-            <a:r>
-              <a:rPr lang="de-DE" dirty="0">
-                <a:solidFill>
-                  <a:schemeClr val="bg1"/>
-                </a:solidFill>
-                <a:ea typeface="+mn-lt"/>
-                <a:cs typeface="+mn-lt"/>
-              </a:rPr>
-              <a:t> de </a:t>
-            </a:r>
-            <a:r>
-              <a:rPr lang="de-DE" dirty="0" err="1">
-                <a:solidFill>
-                  <a:schemeClr val="bg1"/>
-                </a:solidFill>
-                <a:ea typeface="+mn-lt"/>
-                <a:cs typeface="+mn-lt"/>
-              </a:rPr>
-              <a:t>desempenho</a:t>
-            </a:r>
-            <a:r>
-              <a:rPr lang="de-DE" dirty="0">
-                <a:solidFill>
-                  <a:schemeClr val="bg1"/>
-                </a:solidFill>
-                <a:ea typeface="+mn-lt"/>
-                <a:cs typeface="+mn-lt"/>
-              </a:rPr>
-              <a:t> de </a:t>
-            </a:r>
-            <a:r>
-              <a:rPr lang="de-DE" dirty="0" err="1">
-                <a:solidFill>
-                  <a:schemeClr val="bg1"/>
-                </a:solidFill>
-                <a:ea typeface="+mn-lt"/>
-                <a:cs typeface="+mn-lt"/>
-              </a:rPr>
-              <a:t>qualquer</a:t>
-            </a:r>
-            <a:r>
-              <a:rPr lang="de-DE" dirty="0">
-                <a:solidFill>
-                  <a:schemeClr val="bg1"/>
-                </a:solidFill>
-                <a:ea typeface="+mn-lt"/>
-                <a:cs typeface="+mn-lt"/>
-              </a:rPr>
-              <a:t> </a:t>
-            </a:r>
-            <a:r>
-              <a:rPr lang="de-DE" dirty="0" err="1">
-                <a:solidFill>
-                  <a:schemeClr val="bg1"/>
-                </a:solidFill>
-                <a:ea typeface="+mn-lt"/>
-                <a:cs typeface="+mn-lt"/>
-              </a:rPr>
-              <a:t>aplicação</a:t>
-            </a:r>
-            <a:r>
-              <a:rPr lang="de-DE" dirty="0">
-                <a:solidFill>
-                  <a:schemeClr val="bg1"/>
-                </a:solidFill>
-                <a:ea typeface="+mn-lt"/>
-                <a:cs typeface="+mn-lt"/>
-              </a:rPr>
-              <a:t> </a:t>
-            </a:r>
-            <a:r>
-              <a:rPr lang="de-DE" dirty="0" err="1">
-                <a:solidFill>
-                  <a:schemeClr val="bg1"/>
-                </a:solidFill>
-                <a:ea typeface="+mn-lt"/>
-                <a:cs typeface="+mn-lt"/>
-              </a:rPr>
-              <a:t>sob</a:t>
-            </a:r>
-            <a:r>
-              <a:rPr lang="de-DE" dirty="0">
-                <a:solidFill>
-                  <a:schemeClr val="bg1"/>
-                </a:solidFill>
-                <a:ea typeface="+mn-lt"/>
-                <a:cs typeface="+mn-lt"/>
-              </a:rPr>
-              <a:t> </a:t>
-            </a:r>
-            <a:r>
-              <a:rPr lang="de-DE" dirty="0" err="1">
-                <a:solidFill>
-                  <a:schemeClr val="bg1"/>
-                </a:solidFill>
-                <a:ea typeface="+mn-lt"/>
-                <a:cs typeface="+mn-lt"/>
-              </a:rPr>
-              <a:t>uma</a:t>
-            </a:r>
-            <a:r>
-              <a:rPr lang="de-DE" dirty="0">
-                <a:solidFill>
-                  <a:schemeClr val="bg1"/>
-                </a:solidFill>
-                <a:ea typeface="+mn-lt"/>
-                <a:cs typeface="+mn-lt"/>
-              </a:rPr>
-              <a:t> </a:t>
-            </a:r>
-            <a:r>
-              <a:rPr lang="de-DE" dirty="0" err="1">
-                <a:solidFill>
-                  <a:schemeClr val="bg1"/>
-                </a:solidFill>
-                <a:ea typeface="+mn-lt"/>
-                <a:cs typeface="+mn-lt"/>
-              </a:rPr>
-              <a:t>determinada</a:t>
-            </a:r>
-            <a:r>
-              <a:rPr lang="de-DE" dirty="0">
-                <a:solidFill>
-                  <a:schemeClr val="bg1"/>
-                </a:solidFill>
-                <a:ea typeface="+mn-lt"/>
-                <a:cs typeface="+mn-lt"/>
-              </a:rPr>
-              <a:t> </a:t>
-            </a:r>
-            <a:r>
-              <a:rPr lang="de-DE" dirty="0" err="1">
-                <a:solidFill>
-                  <a:schemeClr val="bg1"/>
-                </a:solidFill>
-                <a:ea typeface="+mn-lt"/>
-                <a:cs typeface="+mn-lt"/>
-              </a:rPr>
-              <a:t>condição</a:t>
-            </a:r>
-            <a:r>
-              <a:rPr lang="de-DE" dirty="0">
-                <a:solidFill>
-                  <a:schemeClr val="bg1"/>
-                </a:solidFill>
-                <a:ea typeface="+mn-lt"/>
-                <a:cs typeface="+mn-lt"/>
-              </a:rPr>
-              <a:t> de </a:t>
-            </a:r>
-            <a:r>
-              <a:rPr lang="de-DE" dirty="0" err="1">
-                <a:solidFill>
-                  <a:schemeClr val="bg1"/>
-                </a:solidFill>
-                <a:ea typeface="+mn-lt"/>
-                <a:cs typeface="+mn-lt"/>
-              </a:rPr>
-              <a:t>carga</a:t>
-            </a:r>
-            <a:r>
-              <a:rPr lang="de-DE" dirty="0">
-                <a:solidFill>
-                  <a:schemeClr val="bg1"/>
-                </a:solidFill>
-                <a:ea typeface="+mn-lt"/>
-                <a:cs typeface="+mn-lt"/>
-              </a:rPr>
-              <a:t>. </a:t>
-            </a:r>
-            <a:r>
-              <a:rPr lang="de-DE" dirty="0" err="1">
-                <a:solidFill>
-                  <a:schemeClr val="bg1"/>
-                </a:solidFill>
-                <a:ea typeface="+mn-lt"/>
-                <a:cs typeface="+mn-lt"/>
-              </a:rPr>
-              <a:t>Em</a:t>
-            </a:r>
-            <a:r>
-              <a:rPr lang="de-DE" dirty="0">
-                <a:solidFill>
-                  <a:schemeClr val="bg1"/>
-                </a:solidFill>
-                <a:ea typeface="+mn-lt"/>
-                <a:cs typeface="+mn-lt"/>
-              </a:rPr>
-              <a:t> </a:t>
-            </a:r>
-            <a:r>
-              <a:rPr lang="de-DE" dirty="0" err="1">
-                <a:solidFill>
-                  <a:schemeClr val="bg1"/>
-                </a:solidFill>
-                <a:ea typeface="+mn-lt"/>
-                <a:cs typeface="+mn-lt"/>
-              </a:rPr>
-              <a:t>outras</a:t>
-            </a:r>
-            <a:r>
-              <a:rPr lang="de-DE" dirty="0">
-                <a:solidFill>
-                  <a:schemeClr val="bg1"/>
-                </a:solidFill>
-                <a:ea typeface="+mn-lt"/>
-                <a:cs typeface="+mn-lt"/>
-              </a:rPr>
-              <a:t> </a:t>
-            </a:r>
-            <a:r>
-              <a:rPr lang="de-DE" dirty="0" err="1">
-                <a:solidFill>
-                  <a:schemeClr val="bg1"/>
-                </a:solidFill>
-                <a:ea typeface="+mn-lt"/>
-                <a:cs typeface="+mn-lt"/>
-              </a:rPr>
-              <a:t>palavras</a:t>
-            </a:r>
-            <a:r>
-              <a:rPr lang="de-DE" dirty="0">
-                <a:solidFill>
-                  <a:schemeClr val="bg1"/>
-                </a:solidFill>
-                <a:ea typeface="+mn-lt"/>
-                <a:cs typeface="+mn-lt"/>
-              </a:rPr>
-              <a:t>, </a:t>
-            </a:r>
-            <a:r>
-              <a:rPr lang="de-DE" dirty="0" err="1">
-                <a:solidFill>
-                  <a:schemeClr val="bg1"/>
-                </a:solidFill>
-                <a:ea typeface="+mn-lt"/>
-                <a:cs typeface="+mn-lt"/>
-              </a:rPr>
-              <a:t>simulamos</a:t>
-            </a:r>
-            <a:r>
-              <a:rPr lang="de-DE" dirty="0">
-                <a:solidFill>
-                  <a:schemeClr val="bg1"/>
-                </a:solidFill>
-                <a:ea typeface="+mn-lt"/>
-                <a:cs typeface="+mn-lt"/>
-              </a:rPr>
-              <a:t> a </a:t>
-            </a:r>
-            <a:r>
-              <a:rPr lang="de-DE" dirty="0" err="1">
-                <a:solidFill>
-                  <a:schemeClr val="bg1"/>
-                </a:solidFill>
-                <a:ea typeface="+mn-lt"/>
-                <a:cs typeface="+mn-lt"/>
-              </a:rPr>
-              <a:t>ação</a:t>
-            </a:r>
-            <a:r>
-              <a:rPr lang="de-DE" dirty="0">
-                <a:solidFill>
-                  <a:schemeClr val="bg1"/>
-                </a:solidFill>
-                <a:ea typeface="+mn-lt"/>
-                <a:cs typeface="+mn-lt"/>
-              </a:rPr>
-              <a:t> </a:t>
-            </a:r>
-            <a:r>
-              <a:rPr lang="de-DE" dirty="0" err="1">
-                <a:solidFill>
-                  <a:schemeClr val="bg1"/>
-                </a:solidFill>
-                <a:ea typeface="+mn-lt"/>
-                <a:cs typeface="+mn-lt"/>
-              </a:rPr>
-              <a:t>massiva</a:t>
-            </a:r>
-            <a:r>
-              <a:rPr lang="de-DE" dirty="0">
-                <a:solidFill>
-                  <a:schemeClr val="bg1"/>
-                </a:solidFill>
-                <a:ea typeface="+mn-lt"/>
-                <a:cs typeface="+mn-lt"/>
-              </a:rPr>
-              <a:t> e </a:t>
-            </a:r>
-            <a:r>
-              <a:rPr lang="de-DE" dirty="0" err="1">
-                <a:solidFill>
-                  <a:schemeClr val="bg1"/>
-                </a:solidFill>
-                <a:ea typeface="+mn-lt"/>
-                <a:cs typeface="+mn-lt"/>
-              </a:rPr>
-              <a:t>simultânea</a:t>
-            </a:r>
-            <a:r>
-              <a:rPr lang="de-DE" dirty="0">
-                <a:solidFill>
-                  <a:schemeClr val="bg1"/>
-                </a:solidFill>
-                <a:ea typeface="+mn-lt"/>
-                <a:cs typeface="+mn-lt"/>
-              </a:rPr>
-              <a:t> de um </a:t>
-            </a:r>
-            <a:r>
-              <a:rPr lang="de-DE" dirty="0" err="1">
-                <a:solidFill>
-                  <a:schemeClr val="bg1"/>
-                </a:solidFill>
-                <a:ea typeface="+mn-lt"/>
-                <a:cs typeface="+mn-lt"/>
-              </a:rPr>
-              <a:t>grande</a:t>
-            </a:r>
-            <a:r>
-              <a:rPr lang="de-DE" dirty="0">
-                <a:solidFill>
-                  <a:schemeClr val="bg1"/>
-                </a:solidFill>
-                <a:ea typeface="+mn-lt"/>
-                <a:cs typeface="+mn-lt"/>
-              </a:rPr>
-              <a:t> </a:t>
-            </a:r>
-            <a:r>
-              <a:rPr lang="de-DE" dirty="0" err="1">
-                <a:solidFill>
-                  <a:schemeClr val="bg1"/>
-                </a:solidFill>
-                <a:ea typeface="+mn-lt"/>
-                <a:cs typeface="+mn-lt"/>
-              </a:rPr>
-              <a:t>número</a:t>
-            </a:r>
-            <a:r>
-              <a:rPr lang="de-DE" dirty="0">
-                <a:solidFill>
-                  <a:schemeClr val="bg1"/>
-                </a:solidFill>
-                <a:ea typeface="+mn-lt"/>
-                <a:cs typeface="+mn-lt"/>
-              </a:rPr>
-              <a:t> de </a:t>
-            </a:r>
-            <a:r>
-              <a:rPr lang="de-DE" dirty="0" err="1">
-                <a:solidFill>
-                  <a:schemeClr val="bg1"/>
-                </a:solidFill>
-                <a:ea typeface="+mn-lt"/>
-                <a:cs typeface="+mn-lt"/>
-              </a:rPr>
-              <a:t>usuários</a:t>
-            </a:r>
-            <a:r>
-              <a:rPr lang="de-DE" dirty="0">
-                <a:solidFill>
-                  <a:schemeClr val="bg1"/>
-                </a:solidFill>
-                <a:ea typeface="+mn-lt"/>
-                <a:cs typeface="+mn-lt"/>
-              </a:rPr>
-              <a:t> </a:t>
-            </a:r>
-            <a:r>
-              <a:rPr lang="de-DE" dirty="0" err="1">
-                <a:solidFill>
-                  <a:schemeClr val="bg1"/>
-                </a:solidFill>
-                <a:ea typeface="+mn-lt"/>
-                <a:cs typeface="+mn-lt"/>
-              </a:rPr>
-              <a:t>em</a:t>
-            </a:r>
-            <a:r>
-              <a:rPr lang="de-DE" dirty="0">
-                <a:solidFill>
-                  <a:schemeClr val="bg1"/>
-                </a:solidFill>
-                <a:ea typeface="+mn-lt"/>
-                <a:cs typeface="+mn-lt"/>
-              </a:rPr>
-              <a:t> </a:t>
-            </a:r>
-            <a:r>
-              <a:rPr lang="de-DE" dirty="0" err="1">
-                <a:solidFill>
-                  <a:schemeClr val="bg1"/>
-                </a:solidFill>
-                <a:ea typeface="+mn-lt"/>
-                <a:cs typeface="+mn-lt"/>
-              </a:rPr>
-              <a:t>uma</a:t>
-            </a:r>
-            <a:r>
-              <a:rPr lang="de-DE" dirty="0">
-                <a:solidFill>
-                  <a:schemeClr val="bg1"/>
-                </a:solidFill>
-                <a:ea typeface="+mn-lt"/>
-                <a:cs typeface="+mn-lt"/>
-              </a:rPr>
-              <a:t> </a:t>
-            </a:r>
-            <a:r>
-              <a:rPr lang="de-DE" dirty="0" err="1">
-                <a:solidFill>
-                  <a:schemeClr val="bg1"/>
-                </a:solidFill>
-                <a:ea typeface="+mn-lt"/>
-                <a:cs typeface="+mn-lt"/>
-              </a:rPr>
-              <a:t>aplicação</a:t>
-            </a:r>
-            <a:r>
-              <a:rPr lang="de-DE" dirty="0">
-                <a:solidFill>
-                  <a:schemeClr val="bg1"/>
-                </a:solidFill>
-                <a:ea typeface="+mn-lt"/>
-                <a:cs typeface="+mn-lt"/>
-              </a:rPr>
-              <a:t>. Esse teste é </a:t>
-            </a:r>
-            <a:r>
-              <a:rPr lang="de-DE" dirty="0" err="1">
-                <a:solidFill>
-                  <a:schemeClr val="bg1"/>
-                </a:solidFill>
-                <a:ea typeface="+mn-lt"/>
-                <a:cs typeface="+mn-lt"/>
-              </a:rPr>
-              <a:t>essencial</a:t>
-            </a:r>
-            <a:r>
-              <a:rPr lang="de-DE" dirty="0">
-                <a:solidFill>
-                  <a:schemeClr val="bg1"/>
-                </a:solidFill>
-                <a:ea typeface="+mn-lt"/>
-                <a:cs typeface="+mn-lt"/>
-              </a:rPr>
-              <a:t> </a:t>
-            </a:r>
-            <a:r>
-              <a:rPr lang="de-DE" dirty="0" err="1">
-                <a:solidFill>
-                  <a:schemeClr val="bg1"/>
-                </a:solidFill>
-                <a:ea typeface="+mn-lt"/>
-                <a:cs typeface="+mn-lt"/>
-              </a:rPr>
-              <a:t>para</a:t>
-            </a:r>
-            <a:r>
-              <a:rPr lang="de-DE" dirty="0">
-                <a:solidFill>
-                  <a:schemeClr val="bg1"/>
-                </a:solidFill>
-                <a:ea typeface="+mn-lt"/>
-                <a:cs typeface="+mn-lt"/>
-              </a:rPr>
-              <a:t> </a:t>
-            </a:r>
-            <a:r>
-              <a:rPr lang="de-DE" dirty="0" err="1">
-                <a:solidFill>
-                  <a:schemeClr val="bg1"/>
-                </a:solidFill>
-                <a:ea typeface="+mn-lt"/>
-                <a:cs typeface="+mn-lt"/>
-              </a:rPr>
-              <a:t>verificar</a:t>
-            </a:r>
-            <a:r>
-              <a:rPr lang="de-DE" dirty="0">
-                <a:solidFill>
-                  <a:schemeClr val="bg1"/>
-                </a:solidFill>
-                <a:ea typeface="+mn-lt"/>
-                <a:cs typeface="+mn-lt"/>
-              </a:rPr>
-              <a:t> o </a:t>
-            </a:r>
-            <a:r>
-              <a:rPr lang="de-DE" dirty="0" err="1">
-                <a:solidFill>
-                  <a:schemeClr val="bg1"/>
-                </a:solidFill>
-                <a:ea typeface="+mn-lt"/>
-                <a:cs typeface="+mn-lt"/>
-              </a:rPr>
-              <a:t>desempenho</a:t>
-            </a:r>
-            <a:r>
-              <a:rPr lang="de-DE" dirty="0">
-                <a:solidFill>
-                  <a:schemeClr val="bg1"/>
-                </a:solidFill>
-                <a:ea typeface="+mn-lt"/>
-                <a:cs typeface="+mn-lt"/>
-              </a:rPr>
-              <a:t> do </a:t>
-            </a:r>
-            <a:r>
-              <a:rPr lang="de-DE" dirty="0" err="1">
-                <a:solidFill>
-                  <a:schemeClr val="bg1"/>
-                </a:solidFill>
-                <a:ea typeface="+mn-lt"/>
-                <a:cs typeface="+mn-lt"/>
-              </a:rPr>
-              <a:t>software</a:t>
-            </a:r>
-            <a:r>
-              <a:rPr lang="de-DE" dirty="0">
-                <a:solidFill>
-                  <a:schemeClr val="bg1"/>
-                </a:solidFill>
-                <a:ea typeface="+mn-lt"/>
-                <a:cs typeface="+mn-lt"/>
-              </a:rPr>
-              <a:t> </a:t>
-            </a:r>
-            <a:r>
-              <a:rPr lang="de-DE" dirty="0" err="1">
-                <a:solidFill>
-                  <a:schemeClr val="bg1"/>
-                </a:solidFill>
-                <a:ea typeface="+mn-lt"/>
-                <a:cs typeface="+mn-lt"/>
-              </a:rPr>
-              <a:t>antes</a:t>
-            </a:r>
-            <a:r>
-              <a:rPr lang="de-DE" dirty="0">
-                <a:solidFill>
-                  <a:schemeClr val="bg1"/>
-                </a:solidFill>
-                <a:ea typeface="+mn-lt"/>
-                <a:cs typeface="+mn-lt"/>
-              </a:rPr>
-              <a:t> do </a:t>
-            </a:r>
-            <a:r>
-              <a:rPr lang="de-DE" dirty="0" err="1">
-                <a:solidFill>
-                  <a:schemeClr val="bg1"/>
-                </a:solidFill>
-                <a:ea typeface="+mn-lt"/>
-                <a:cs typeface="+mn-lt"/>
-              </a:rPr>
-              <a:t>lançamento</a:t>
-            </a:r>
-            <a:r>
-              <a:rPr lang="de-DE" dirty="0">
-                <a:solidFill>
-                  <a:schemeClr val="bg1"/>
-                </a:solidFill>
-                <a:ea typeface="+mn-lt"/>
-                <a:cs typeface="+mn-lt"/>
-              </a:rPr>
-              <a:t> e </a:t>
-            </a:r>
-            <a:r>
-              <a:rPr lang="de-DE" dirty="0" err="1">
-                <a:solidFill>
-                  <a:schemeClr val="bg1"/>
-                </a:solidFill>
-                <a:ea typeface="+mn-lt"/>
-                <a:cs typeface="+mn-lt"/>
-              </a:rPr>
-              <a:t>garantir</a:t>
-            </a:r>
-            <a:r>
-              <a:rPr lang="de-DE" dirty="0">
-                <a:solidFill>
-                  <a:schemeClr val="bg1"/>
-                </a:solidFill>
-                <a:ea typeface="+mn-lt"/>
-                <a:cs typeface="+mn-lt"/>
-              </a:rPr>
-              <a:t> </a:t>
-            </a:r>
-            <a:r>
-              <a:rPr lang="de-DE" dirty="0" err="1">
-                <a:solidFill>
-                  <a:schemeClr val="bg1"/>
-                </a:solidFill>
-                <a:ea typeface="+mn-lt"/>
-                <a:cs typeface="+mn-lt"/>
-              </a:rPr>
-              <a:t>que</a:t>
-            </a:r>
-            <a:r>
-              <a:rPr lang="de-DE" dirty="0">
-                <a:solidFill>
-                  <a:schemeClr val="bg1"/>
-                </a:solidFill>
-                <a:ea typeface="+mn-lt"/>
-                <a:cs typeface="+mn-lt"/>
-              </a:rPr>
-              <a:t> </a:t>
-            </a:r>
-            <a:r>
-              <a:rPr lang="de-DE" dirty="0" err="1">
-                <a:solidFill>
-                  <a:schemeClr val="bg1"/>
-                </a:solidFill>
-                <a:ea typeface="+mn-lt"/>
-                <a:cs typeface="+mn-lt"/>
-              </a:rPr>
-              <a:t>ele</a:t>
-            </a:r>
-            <a:r>
-              <a:rPr lang="de-DE" dirty="0">
-                <a:solidFill>
-                  <a:schemeClr val="bg1"/>
-                </a:solidFill>
-                <a:ea typeface="+mn-lt"/>
-                <a:cs typeface="+mn-lt"/>
-              </a:rPr>
-              <a:t> </a:t>
-            </a:r>
-            <a:r>
-              <a:rPr lang="de-DE" dirty="0" err="1">
-                <a:solidFill>
-                  <a:schemeClr val="bg1"/>
-                </a:solidFill>
-                <a:ea typeface="+mn-lt"/>
-                <a:cs typeface="+mn-lt"/>
-              </a:rPr>
-              <a:t>possa</a:t>
-            </a:r>
-            <a:r>
-              <a:rPr lang="de-DE" dirty="0">
-                <a:solidFill>
-                  <a:schemeClr val="bg1"/>
-                </a:solidFill>
-                <a:ea typeface="+mn-lt"/>
-                <a:cs typeface="+mn-lt"/>
-              </a:rPr>
-              <a:t> </a:t>
-            </a:r>
-            <a:r>
-              <a:rPr lang="de-DE" dirty="0" err="1">
-                <a:solidFill>
-                  <a:schemeClr val="bg1"/>
-                </a:solidFill>
-                <a:ea typeface="+mn-lt"/>
-                <a:cs typeface="+mn-lt"/>
-              </a:rPr>
-              <a:t>atender</a:t>
-            </a:r>
-            <a:r>
-              <a:rPr lang="de-DE" dirty="0">
-                <a:solidFill>
-                  <a:schemeClr val="bg1"/>
-                </a:solidFill>
-                <a:ea typeface="+mn-lt"/>
-                <a:cs typeface="+mn-lt"/>
-              </a:rPr>
-              <a:t> </a:t>
-            </a:r>
-            <a:r>
-              <a:rPr lang="de-DE" dirty="0" err="1">
-                <a:solidFill>
-                  <a:schemeClr val="bg1"/>
-                </a:solidFill>
-                <a:ea typeface="+mn-lt"/>
-                <a:cs typeface="+mn-lt"/>
-              </a:rPr>
-              <a:t>ao</a:t>
-            </a:r>
-            <a:r>
-              <a:rPr lang="de-DE" dirty="0">
-                <a:solidFill>
-                  <a:schemeClr val="bg1"/>
-                </a:solidFill>
-                <a:ea typeface="+mn-lt"/>
-                <a:cs typeface="+mn-lt"/>
-              </a:rPr>
-              <a:t> </a:t>
-            </a:r>
-            <a:r>
-              <a:rPr lang="de-DE" dirty="0" err="1">
-                <a:solidFill>
-                  <a:schemeClr val="bg1"/>
-                </a:solidFill>
-                <a:ea typeface="+mn-lt"/>
-                <a:cs typeface="+mn-lt"/>
-              </a:rPr>
-              <a:t>número</a:t>
-            </a:r>
-            <a:r>
-              <a:rPr lang="de-DE" dirty="0">
-                <a:solidFill>
-                  <a:schemeClr val="bg1"/>
-                </a:solidFill>
-                <a:ea typeface="+mn-lt"/>
-                <a:cs typeface="+mn-lt"/>
-              </a:rPr>
-              <a:t> </a:t>
-            </a:r>
-            <a:r>
-              <a:rPr lang="de-DE" dirty="0" err="1">
-                <a:solidFill>
-                  <a:schemeClr val="bg1"/>
-                </a:solidFill>
-                <a:ea typeface="+mn-lt"/>
-                <a:cs typeface="+mn-lt"/>
-              </a:rPr>
-              <a:t>esperado</a:t>
-            </a:r>
-            <a:r>
-              <a:rPr lang="de-DE" dirty="0">
-                <a:solidFill>
-                  <a:schemeClr val="bg1"/>
-                </a:solidFill>
-                <a:ea typeface="+mn-lt"/>
-                <a:cs typeface="+mn-lt"/>
-              </a:rPr>
-              <a:t> de </a:t>
-            </a:r>
-            <a:r>
-              <a:rPr lang="de-DE" dirty="0" err="1">
-                <a:solidFill>
-                  <a:schemeClr val="bg1"/>
-                </a:solidFill>
-                <a:ea typeface="+mn-lt"/>
-                <a:cs typeface="+mn-lt"/>
-              </a:rPr>
-              <a:t>usuários</a:t>
-            </a:r>
-            <a:r>
-              <a:rPr lang="de-DE" dirty="0">
-                <a:solidFill>
-                  <a:schemeClr val="bg1"/>
-                </a:solidFill>
-                <a:ea typeface="+mn-lt"/>
-                <a:cs typeface="+mn-lt"/>
-              </a:rPr>
-              <a:t>.</a:t>
-            </a:r>
-            <a:endParaRPr lang="de-DE" dirty="0">
-              <a:solidFill>
-                <a:schemeClr val="bg1"/>
-              </a:solidFill>
-            </a:endParaRPr>
-          </a:p>
-          <a:p>
-            <a:endParaRPr lang="de-DE" dirty="0">
-              <a:solidFill>
-                <a:schemeClr val="bg1"/>
-              </a:solidFill>
-              <a:ea typeface="+mn-lt"/>
-              <a:cs typeface="+mn-lt"/>
-            </a:endParaRPr>
+              <a:t>Garante que o software suporte o número esperado de usuários.</a:t>
+            </a:r>
           </a:p>
         </p:txBody>
       </p:sp>
@@ -8074,22 +7250,12 @@
           </a:bodyPr>
           <a:lstStyle/>
           <a:p>
-            <a:endParaRPr lang="pt-BR"/>
-          </a:p>
-          <a:p>
-            <a:endParaRPr lang="de-DE"/>
-          </a:p>
-          <a:p>
-            <a:r>
-              <a:rPr lang="de-DE" dirty="0" err="1">
-                <a:solidFill>
-                  <a:schemeClr val="bg1"/>
-                </a:solidFill>
-                <a:ea typeface="+mn-lt"/>
-                <a:cs typeface="+mn-lt"/>
-              </a:rPr>
-              <a:t>No</a:t>
-            </a:r>
+            <a:endParaRPr lang="pt-BR" dirty="0"/>
+          </a:p>
+          <a:p>
+            <a:endParaRPr lang="de-DE" dirty="0"/>
+          </a:p>
+          <a:p>
             <a:r>
               <a:rPr lang="de-DE" dirty="0">
                 <a:solidFill>
@@ -8098,527 +7264,7 @@
                 <a:ea typeface="+mn-lt"/>
                 <a:cs typeface="+mn-lt"/>
               </a:rPr>
-              <a:t> </a:t>
-            </a:r>
-            <a:r>
-              <a:rPr lang="de-DE" dirty="0" err="1">
-                <a:solidFill>
-                  <a:schemeClr val="bg1"/>
-                </a:solidFill>
-                <a:ea typeface="+mn-lt"/>
-                <a:cs typeface="+mn-lt"/>
-              </a:rPr>
-              <a:t>desenvolvimento</a:t>
-            </a:r>
-            <a:r>
-              <a:rPr lang="de-DE" dirty="0">
-                <a:solidFill>
-                  <a:schemeClr val="bg1"/>
-                </a:solidFill>
-                <a:ea typeface="+mn-lt"/>
-                <a:cs typeface="+mn-lt"/>
-              </a:rPr>
-              <a:t> de </a:t>
-            </a:r>
-            <a:r>
-              <a:rPr lang="de-DE" dirty="0" err="1">
-                <a:solidFill>
-                  <a:schemeClr val="bg1"/>
-                </a:solidFill>
-                <a:ea typeface="+mn-lt"/>
-                <a:cs typeface="+mn-lt"/>
-              </a:rPr>
-              <a:t>software</a:t>
-            </a:r>
-            <a:r>
-              <a:rPr lang="de-DE" dirty="0">
-                <a:solidFill>
-                  <a:schemeClr val="bg1"/>
-                </a:solidFill>
-                <a:ea typeface="+mn-lt"/>
-                <a:cs typeface="+mn-lt"/>
-              </a:rPr>
-              <a:t>, é </a:t>
-            </a:r>
-            <a:r>
-              <a:rPr lang="de-DE" dirty="0" err="1">
-                <a:solidFill>
-                  <a:schemeClr val="bg1"/>
-                </a:solidFill>
-                <a:ea typeface="+mn-lt"/>
-                <a:cs typeface="+mn-lt"/>
-              </a:rPr>
-              <a:t>muito</a:t>
-            </a:r>
-            <a:r>
-              <a:rPr lang="de-DE" dirty="0">
-                <a:solidFill>
-                  <a:schemeClr val="bg1"/>
-                </a:solidFill>
-                <a:ea typeface="+mn-lt"/>
-                <a:cs typeface="+mn-lt"/>
-              </a:rPr>
-              <a:t> </a:t>
-            </a:r>
-            <a:r>
-              <a:rPr lang="de-DE" dirty="0" err="1">
-                <a:solidFill>
-                  <a:schemeClr val="bg1"/>
-                </a:solidFill>
-                <a:ea typeface="+mn-lt"/>
-                <a:cs typeface="+mn-lt"/>
-              </a:rPr>
-              <a:t>importante</a:t>
-            </a:r>
-            <a:r>
-              <a:rPr lang="de-DE" dirty="0">
-                <a:solidFill>
-                  <a:schemeClr val="bg1"/>
-                </a:solidFill>
-                <a:ea typeface="+mn-lt"/>
-                <a:cs typeface="+mn-lt"/>
-              </a:rPr>
-              <a:t> </a:t>
-            </a:r>
-            <a:r>
-              <a:rPr lang="de-DE" dirty="0" err="1">
-                <a:solidFill>
-                  <a:schemeClr val="bg1"/>
-                </a:solidFill>
-                <a:ea typeface="+mn-lt"/>
-                <a:cs typeface="+mn-lt"/>
-              </a:rPr>
-              <a:t>garantir</a:t>
-            </a:r>
-            <a:r>
-              <a:rPr lang="de-DE" dirty="0">
-                <a:solidFill>
-                  <a:schemeClr val="bg1"/>
-                </a:solidFill>
-                <a:ea typeface="+mn-lt"/>
-                <a:cs typeface="+mn-lt"/>
-              </a:rPr>
-              <a:t> </a:t>
-            </a:r>
-            <a:r>
-              <a:rPr lang="de-DE" dirty="0" err="1">
-                <a:solidFill>
-                  <a:schemeClr val="bg1"/>
-                </a:solidFill>
-                <a:ea typeface="+mn-lt"/>
-                <a:cs typeface="+mn-lt"/>
-              </a:rPr>
-              <a:t>que</a:t>
-            </a:r>
-            <a:r>
-              <a:rPr lang="de-DE" dirty="0">
-                <a:solidFill>
-                  <a:schemeClr val="bg1"/>
-                </a:solidFill>
-                <a:ea typeface="+mn-lt"/>
-                <a:cs typeface="+mn-lt"/>
-              </a:rPr>
-              <a:t> a </a:t>
-            </a:r>
-            <a:r>
-              <a:rPr lang="de-DE" dirty="0" err="1">
-                <a:solidFill>
-                  <a:schemeClr val="bg1"/>
-                </a:solidFill>
-                <a:ea typeface="+mn-lt"/>
-                <a:cs typeface="+mn-lt"/>
-              </a:rPr>
-              <a:t>aplicação</a:t>
-            </a:r>
-            <a:r>
-              <a:rPr lang="de-DE" dirty="0">
-                <a:solidFill>
-                  <a:schemeClr val="bg1"/>
-                </a:solidFill>
-                <a:ea typeface="+mn-lt"/>
-                <a:cs typeface="+mn-lt"/>
-              </a:rPr>
-              <a:t> </a:t>
-            </a:r>
-            <a:r>
-              <a:rPr lang="de-DE" dirty="0" err="1">
-                <a:solidFill>
-                  <a:schemeClr val="bg1"/>
-                </a:solidFill>
-                <a:ea typeface="+mn-lt"/>
-                <a:cs typeface="+mn-lt"/>
-              </a:rPr>
-              <a:t>tenha</a:t>
-            </a:r>
-            <a:r>
-              <a:rPr lang="de-DE" dirty="0">
-                <a:solidFill>
-                  <a:schemeClr val="bg1"/>
-                </a:solidFill>
-                <a:ea typeface="+mn-lt"/>
-                <a:cs typeface="+mn-lt"/>
-              </a:rPr>
-              <a:t> um </a:t>
-            </a:r>
-            <a:r>
-              <a:rPr lang="de-DE" dirty="0" err="1">
-                <a:solidFill>
-                  <a:schemeClr val="bg1"/>
-                </a:solidFill>
-                <a:ea typeface="+mn-lt"/>
-                <a:cs typeface="+mn-lt"/>
-              </a:rPr>
-              <a:t>bom</a:t>
-            </a:r>
-            <a:r>
-              <a:rPr lang="de-DE" dirty="0">
-                <a:solidFill>
-                  <a:schemeClr val="bg1"/>
-                </a:solidFill>
-                <a:ea typeface="+mn-lt"/>
-                <a:cs typeface="+mn-lt"/>
-              </a:rPr>
-              <a:t> </a:t>
-            </a:r>
-            <a:r>
-              <a:rPr lang="de-DE" dirty="0" err="1">
-                <a:solidFill>
-                  <a:schemeClr val="bg1"/>
-                </a:solidFill>
-                <a:ea typeface="+mn-lt"/>
-                <a:cs typeface="+mn-lt"/>
-              </a:rPr>
-              <a:t>desempenho</a:t>
-            </a:r>
-            <a:r>
-              <a:rPr lang="de-DE" dirty="0">
-                <a:solidFill>
-                  <a:schemeClr val="bg1"/>
-                </a:solidFill>
-                <a:ea typeface="+mn-lt"/>
-                <a:cs typeface="+mn-lt"/>
-              </a:rPr>
-              <a:t> </a:t>
-            </a:r>
-            <a:r>
-              <a:rPr lang="de-DE" dirty="0" err="1">
-                <a:solidFill>
-                  <a:schemeClr val="bg1"/>
-                </a:solidFill>
-                <a:ea typeface="+mn-lt"/>
-                <a:cs typeface="+mn-lt"/>
-              </a:rPr>
-              <a:t>em</a:t>
-            </a:r>
-            <a:r>
-              <a:rPr lang="de-DE" dirty="0">
-                <a:solidFill>
-                  <a:schemeClr val="bg1"/>
-                </a:solidFill>
-                <a:ea typeface="+mn-lt"/>
-                <a:cs typeface="+mn-lt"/>
-              </a:rPr>
-              <a:t> </a:t>
-            </a:r>
-            <a:r>
-              <a:rPr lang="de-DE" dirty="0" err="1">
-                <a:solidFill>
-                  <a:schemeClr val="bg1"/>
-                </a:solidFill>
-                <a:ea typeface="+mn-lt"/>
-                <a:cs typeface="+mn-lt"/>
-              </a:rPr>
-              <a:t>diferentes</a:t>
-            </a:r>
-            <a:r>
-              <a:rPr lang="de-DE" dirty="0">
-                <a:solidFill>
-                  <a:schemeClr val="bg1"/>
-                </a:solidFill>
-                <a:ea typeface="+mn-lt"/>
-                <a:cs typeface="+mn-lt"/>
-              </a:rPr>
-              <a:t> </a:t>
-            </a:r>
-            <a:r>
-              <a:rPr lang="de-DE" dirty="0" err="1">
-                <a:solidFill>
-                  <a:schemeClr val="bg1"/>
-                </a:solidFill>
-                <a:ea typeface="+mn-lt"/>
-                <a:cs typeface="+mn-lt"/>
-              </a:rPr>
-              <a:t>condições</a:t>
-            </a:r>
-            <a:r>
-              <a:rPr lang="de-DE" dirty="0">
-                <a:solidFill>
-                  <a:schemeClr val="bg1"/>
-                </a:solidFill>
-                <a:ea typeface="+mn-lt"/>
-                <a:cs typeface="+mn-lt"/>
-              </a:rPr>
-              <a:t>. Uma </a:t>
-            </a:r>
-            <a:r>
-              <a:rPr lang="de-DE" dirty="0" err="1">
-                <a:solidFill>
-                  <a:schemeClr val="bg1"/>
-                </a:solidFill>
-                <a:ea typeface="+mn-lt"/>
-                <a:cs typeface="+mn-lt"/>
-              </a:rPr>
-              <a:t>maneira</a:t>
-            </a:r>
-            <a:r>
-              <a:rPr lang="de-DE" dirty="0">
-                <a:solidFill>
-                  <a:schemeClr val="bg1"/>
-                </a:solidFill>
-                <a:ea typeface="+mn-lt"/>
-                <a:cs typeface="+mn-lt"/>
-              </a:rPr>
-              <a:t> de </a:t>
-            </a:r>
-            <a:r>
-              <a:rPr lang="de-DE" dirty="0" err="1">
-                <a:solidFill>
-                  <a:schemeClr val="bg1"/>
-                </a:solidFill>
-                <a:ea typeface="+mn-lt"/>
-                <a:cs typeface="+mn-lt"/>
-              </a:rPr>
-              <a:t>fazer</a:t>
-            </a:r>
-            <a:r>
-              <a:rPr lang="de-DE" dirty="0">
-                <a:solidFill>
-                  <a:schemeClr val="bg1"/>
-                </a:solidFill>
-                <a:ea typeface="+mn-lt"/>
-                <a:cs typeface="+mn-lt"/>
-              </a:rPr>
-              <a:t> </a:t>
-            </a:r>
-            <a:r>
-              <a:rPr lang="de-DE" dirty="0" err="1">
-                <a:solidFill>
-                  <a:schemeClr val="bg1"/>
-                </a:solidFill>
-                <a:ea typeface="+mn-lt"/>
-                <a:cs typeface="+mn-lt"/>
-              </a:rPr>
-              <a:t>isso</a:t>
-            </a:r>
-            <a:r>
-              <a:rPr lang="de-DE" dirty="0">
-                <a:solidFill>
-                  <a:schemeClr val="bg1"/>
-                </a:solidFill>
-                <a:ea typeface="+mn-lt"/>
-                <a:cs typeface="+mn-lt"/>
-              </a:rPr>
-              <a:t> é </a:t>
-            </a:r>
-            <a:r>
-              <a:rPr lang="de-DE" dirty="0" err="1">
-                <a:solidFill>
-                  <a:schemeClr val="bg1"/>
-                </a:solidFill>
-                <a:ea typeface="+mn-lt"/>
-                <a:cs typeface="+mn-lt"/>
-              </a:rPr>
-              <a:t>através</a:t>
-            </a:r>
-            <a:r>
-              <a:rPr lang="de-DE" dirty="0">
-                <a:solidFill>
-                  <a:schemeClr val="bg1"/>
-                </a:solidFill>
-                <a:ea typeface="+mn-lt"/>
-                <a:cs typeface="+mn-lt"/>
-              </a:rPr>
-              <a:t> dos </a:t>
-            </a:r>
-            <a:r>
-              <a:rPr lang="de-DE" dirty="0" err="1">
-                <a:solidFill>
-                  <a:schemeClr val="bg1"/>
-                </a:solidFill>
-                <a:ea typeface="+mn-lt"/>
-                <a:cs typeface="+mn-lt"/>
-              </a:rPr>
-              <a:t>testes</a:t>
-            </a:r>
-            <a:r>
-              <a:rPr lang="de-DE" dirty="0">
-                <a:solidFill>
-                  <a:schemeClr val="bg1"/>
-                </a:solidFill>
-                <a:ea typeface="+mn-lt"/>
-                <a:cs typeface="+mn-lt"/>
-              </a:rPr>
-              <a:t> de </a:t>
-            </a:r>
-            <a:r>
-              <a:rPr lang="de-DE" dirty="0" err="1">
-                <a:solidFill>
-                  <a:schemeClr val="bg1"/>
-                </a:solidFill>
-                <a:ea typeface="+mn-lt"/>
-                <a:cs typeface="+mn-lt"/>
-              </a:rPr>
-              <a:t>carga</a:t>
-            </a:r>
-            <a:r>
-              <a:rPr lang="de-DE" dirty="0">
-                <a:solidFill>
-                  <a:schemeClr val="bg1"/>
-                </a:solidFill>
-                <a:ea typeface="+mn-lt"/>
-                <a:cs typeface="+mn-lt"/>
-              </a:rPr>
-              <a:t>. Neste </a:t>
-            </a:r>
-            <a:r>
-              <a:rPr lang="de-DE" dirty="0" err="1">
-                <a:solidFill>
-                  <a:schemeClr val="bg1"/>
-                </a:solidFill>
-                <a:ea typeface="+mn-lt"/>
-                <a:cs typeface="+mn-lt"/>
-              </a:rPr>
-              <a:t>artigo</a:t>
-            </a:r>
-            <a:r>
-              <a:rPr lang="de-DE" dirty="0">
-                <a:solidFill>
-                  <a:schemeClr val="bg1"/>
-                </a:solidFill>
-                <a:ea typeface="+mn-lt"/>
-                <a:cs typeface="+mn-lt"/>
-              </a:rPr>
-              <a:t>, </a:t>
-            </a:r>
-            <a:r>
-              <a:rPr lang="de-DE" dirty="0" err="1">
-                <a:solidFill>
-                  <a:schemeClr val="bg1"/>
-                </a:solidFill>
-                <a:ea typeface="+mn-lt"/>
-                <a:cs typeface="+mn-lt"/>
-              </a:rPr>
-              <a:t>aprenderemos</a:t>
-            </a:r>
-            <a:r>
-              <a:rPr lang="de-DE" dirty="0">
-                <a:solidFill>
-                  <a:schemeClr val="bg1"/>
-                </a:solidFill>
-                <a:ea typeface="+mn-lt"/>
-                <a:cs typeface="+mn-lt"/>
-              </a:rPr>
-              <a:t> o </a:t>
-            </a:r>
-            <a:r>
-              <a:rPr lang="de-DE" dirty="0" err="1">
-                <a:solidFill>
-                  <a:schemeClr val="bg1"/>
-                </a:solidFill>
-                <a:ea typeface="+mn-lt"/>
-                <a:cs typeface="+mn-lt"/>
-              </a:rPr>
-              <a:t>que</a:t>
-            </a:r>
-            <a:r>
-              <a:rPr lang="de-DE" dirty="0">
-                <a:solidFill>
-                  <a:schemeClr val="bg1"/>
-                </a:solidFill>
-                <a:ea typeface="+mn-lt"/>
-                <a:cs typeface="+mn-lt"/>
-              </a:rPr>
-              <a:t> é um teste de </a:t>
-            </a:r>
-            <a:r>
-              <a:rPr lang="de-DE" dirty="0" err="1">
-                <a:solidFill>
-                  <a:schemeClr val="bg1"/>
-                </a:solidFill>
-                <a:ea typeface="+mn-lt"/>
-                <a:cs typeface="+mn-lt"/>
-              </a:rPr>
-              <a:t>carga</a:t>
-            </a:r>
-            <a:r>
-              <a:rPr lang="de-DE" dirty="0">
-                <a:solidFill>
-                  <a:schemeClr val="bg1"/>
-                </a:solidFill>
-                <a:ea typeface="+mn-lt"/>
-                <a:cs typeface="+mn-lt"/>
-              </a:rPr>
-              <a:t>, sua </a:t>
-            </a:r>
-            <a:r>
-              <a:rPr lang="de-DE" dirty="0" err="1">
-                <a:solidFill>
-                  <a:schemeClr val="bg1"/>
-                </a:solidFill>
-                <a:ea typeface="+mn-lt"/>
-                <a:cs typeface="+mn-lt"/>
-              </a:rPr>
-              <a:t>importância</a:t>
-            </a:r>
-            <a:r>
-              <a:rPr lang="de-DE" dirty="0">
-                <a:solidFill>
-                  <a:schemeClr val="bg1"/>
-                </a:solidFill>
-                <a:ea typeface="+mn-lt"/>
-                <a:cs typeface="+mn-lt"/>
-              </a:rPr>
-              <a:t> e </a:t>
-            </a:r>
-            <a:r>
-              <a:rPr lang="de-DE" dirty="0" err="1">
-                <a:solidFill>
-                  <a:schemeClr val="bg1"/>
-                </a:solidFill>
-                <a:ea typeface="+mn-lt"/>
-                <a:cs typeface="+mn-lt"/>
-              </a:rPr>
-              <a:t>como</a:t>
-            </a:r>
-            <a:r>
-              <a:rPr lang="de-DE" dirty="0">
-                <a:solidFill>
-                  <a:schemeClr val="bg1"/>
-                </a:solidFill>
-                <a:ea typeface="+mn-lt"/>
-                <a:cs typeface="+mn-lt"/>
-              </a:rPr>
-              <a:t> </a:t>
-            </a:r>
-            <a:r>
-              <a:rPr lang="de-DE" dirty="0" err="1">
-                <a:solidFill>
-                  <a:schemeClr val="bg1"/>
-                </a:solidFill>
-                <a:ea typeface="+mn-lt"/>
-                <a:cs typeface="+mn-lt"/>
-              </a:rPr>
-              <a:t>fazer</a:t>
-            </a:r>
-            <a:r>
-              <a:rPr lang="de-DE" dirty="0">
-                <a:solidFill>
-                  <a:schemeClr val="bg1"/>
-                </a:solidFill>
-                <a:ea typeface="+mn-lt"/>
-                <a:cs typeface="+mn-lt"/>
-              </a:rPr>
-              <a:t> um. </a:t>
+              <a:t>No desenvolvimento de software, é muito importante garantir que a aplicação tenha um bom desempenho em diferentes condições. Uma maneira de fazer isso é através dos testes de carga. Neste artigo, aprenderemos o que é um teste de carga, sua importância e como fazer um. </a:t>
             </a:r>
             <a:endParaRPr lang="de-DE" dirty="0">
               <a:solidFill>
@@ -9506,18 +8152,14 @@
                 <a:ea typeface="+mn-lt"/>
                 <a:cs typeface="+mn-lt"/>
               </a:rPr>
-              <a:t>Passos </a:t>
-            </a:r>
-            <a:r>
-              <a:rPr lang="de-DE" sz="2000" err="1">
-                <a:solidFill>
-                  <a:srgbClr val="FFFFFF"/>
-                </a:solidFill>
-                <a:ea typeface="+mn-lt"/>
-                <a:cs typeface="+mn-lt"/>
-              </a:rPr>
-              <a:t>para</a:t>
-            </a:r>
+              <a:t>Passos para realizar testes de carga</a:t>
+            </a:r>
+            <a:endParaRPr lang="pt-BR" sz="2000" dirty="0">
+              <a:ea typeface="Calibri"/>
+              <a:cs typeface="Calibri"/>
+            </a:endParaRPr>
+          </a:p>
+          <a:p>
             <a:r>
               <a:rPr lang="de-DE" sz="2000" dirty="0">
                 <a:solidFill>
@@ -9526,18 +8168,14 @@
                 <a:ea typeface="+mn-lt"/>
                 <a:cs typeface="+mn-lt"/>
               </a:rPr>
-              <a:t> </a:t>
-            </a:r>
-            <a:r>
-              <a:rPr lang="de-DE" sz="2000" err="1">
-                <a:solidFill>
-                  <a:srgbClr val="FFFFFF"/>
-                </a:solidFill>
-                <a:ea typeface="+mn-lt"/>
-                <a:cs typeface="+mn-lt"/>
-              </a:rPr>
-              <a:t>realizar</a:t>
-            </a:r>
+              <a:t>Definir objetivos: Defina claramente o que você deseja alcançar com o teste de estresse. Isto pode incluir a identificação de violações de software, a garantia da melhor experiência do usuário ou a preparação para eventos especiais, como lançamentos de produtos.</a:t>
+            </a:r>
+            <a:endParaRPr lang="de-DE" sz="2000" dirty="0">
+              <a:ea typeface="Calibri"/>
+              <a:cs typeface="Calibri"/>
+            </a:endParaRPr>
+          </a:p>
+          <a:p>
             <a:r>
               <a:rPr lang="de-DE" sz="2000" dirty="0">
                 <a:solidFill>
@@ -9546,18 +8184,14 @@
                 <a:ea typeface="+mn-lt"/>
                 <a:cs typeface="+mn-lt"/>
               </a:rPr>
-              <a:t> </a:t>
-            </a:r>
-            <a:r>
-              <a:rPr lang="de-DE" sz="2000" err="1">
-                <a:solidFill>
-                  <a:srgbClr val="FFFFFF"/>
-                </a:solidFill>
-                <a:ea typeface="+mn-lt"/>
-                <a:cs typeface="+mn-lt"/>
-              </a:rPr>
-              <a:t>testes</a:t>
-            </a:r>
+              <a:t>Identifique eventos críticos: identifique as principais funções de software que precisam ser testadas. Isso geralmente inclui os recursos usados com mais frequência e os recursos que são importantes para a experiência do usuário.</a:t>
+            </a:r>
+            <a:endParaRPr lang="de-DE" sz="2000" dirty="0">
+              <a:ea typeface="Calibri"/>
+              <a:cs typeface="Calibri"/>
+            </a:endParaRPr>
+          </a:p>
+          <a:p>
             <a:r>
               <a:rPr lang="de-DE" sz="2000" dirty="0">
                 <a:solidFill>
@@ -9566,1547 +8200,9 @@
                 <a:ea typeface="+mn-lt"/>
                 <a:cs typeface="+mn-lt"/>
               </a:rPr>
-              <a:t> de </a:t>
-            </a:r>
-            <a:r>
-              <a:rPr lang="de-DE" sz="2000" err="1">
-                <a:solidFill>
-                  <a:srgbClr val="FFFFFF"/>
-                </a:solidFill>
-                <a:ea typeface="+mn-lt"/>
-                <a:cs typeface="+mn-lt"/>
-              </a:rPr>
-              <a:t>carga</a:t>
-            </a:r>
-            <a:endParaRPr lang="pt-BR" sz="2000">
-              <a:ea typeface="Calibri"/>
-              <a:cs typeface="Calibri"/>
-            </a:endParaRPr>
-          </a:p>
-          <a:p>
-            <a:r>
-              <a:rPr lang="de-DE" sz="2000" err="1">
-                <a:solidFill>
-                  <a:srgbClr val="FFFFFF"/>
-                </a:solidFill>
-                <a:ea typeface="+mn-lt"/>
-                <a:cs typeface="+mn-lt"/>
-              </a:rPr>
-              <a:t>Definir</a:t>
-            </a:r>
-            <a:r>
-              <a:rPr lang="de-DE" sz="2000" dirty="0">
-                <a:solidFill>
-                  <a:srgbClr val="FFFFFF"/>
-                </a:solidFill>
-                <a:ea typeface="+mn-lt"/>
-                <a:cs typeface="+mn-lt"/>
-              </a:rPr>
-              <a:t> </a:t>
-            </a:r>
-            <a:r>
-              <a:rPr lang="de-DE" sz="2000" err="1">
-                <a:solidFill>
-                  <a:srgbClr val="FFFFFF"/>
-                </a:solidFill>
-                <a:ea typeface="+mn-lt"/>
-                <a:cs typeface="+mn-lt"/>
-              </a:rPr>
-              <a:t>objetivos</a:t>
-            </a:r>
-            <a:r>
-              <a:rPr lang="de-DE" sz="2000" dirty="0">
-                <a:solidFill>
-                  <a:srgbClr val="FFFFFF"/>
-                </a:solidFill>
-                <a:ea typeface="+mn-lt"/>
-                <a:cs typeface="+mn-lt"/>
-              </a:rPr>
-              <a:t>: </a:t>
-            </a:r>
-            <a:r>
-              <a:rPr lang="de-DE" sz="2000" err="1">
-                <a:solidFill>
-                  <a:srgbClr val="FFFFFF"/>
-                </a:solidFill>
-                <a:ea typeface="+mn-lt"/>
-                <a:cs typeface="+mn-lt"/>
-              </a:rPr>
-              <a:t>Defina</a:t>
-            </a:r>
-            <a:r>
-              <a:rPr lang="de-DE" sz="2000" dirty="0">
-                <a:solidFill>
-                  <a:srgbClr val="FFFFFF"/>
-                </a:solidFill>
-                <a:ea typeface="+mn-lt"/>
-                <a:cs typeface="+mn-lt"/>
-              </a:rPr>
-              <a:t> </a:t>
-            </a:r>
-            <a:r>
-              <a:rPr lang="de-DE" sz="2000" err="1">
-                <a:solidFill>
-                  <a:srgbClr val="FFFFFF"/>
-                </a:solidFill>
-                <a:ea typeface="+mn-lt"/>
-                <a:cs typeface="+mn-lt"/>
-              </a:rPr>
-              <a:t>claramente</a:t>
-            </a:r>
-            <a:r>
-              <a:rPr lang="de-DE" sz="2000" dirty="0">
-                <a:solidFill>
-                  <a:srgbClr val="FFFFFF"/>
-                </a:solidFill>
-                <a:ea typeface="+mn-lt"/>
-                <a:cs typeface="+mn-lt"/>
-              </a:rPr>
-              <a:t> o </a:t>
-            </a:r>
-            <a:r>
-              <a:rPr lang="de-DE" sz="2000" err="1">
-                <a:solidFill>
-                  <a:srgbClr val="FFFFFF"/>
-                </a:solidFill>
-                <a:ea typeface="+mn-lt"/>
-                <a:cs typeface="+mn-lt"/>
-              </a:rPr>
-              <a:t>que</a:t>
-            </a:r>
-            <a:r>
-              <a:rPr lang="de-DE" sz="2000" dirty="0">
-                <a:solidFill>
-                  <a:srgbClr val="FFFFFF"/>
-                </a:solidFill>
-                <a:ea typeface="+mn-lt"/>
-                <a:cs typeface="+mn-lt"/>
-              </a:rPr>
-              <a:t> </a:t>
-            </a:r>
-            <a:r>
-              <a:rPr lang="de-DE" sz="2000" err="1">
-                <a:solidFill>
-                  <a:srgbClr val="FFFFFF"/>
-                </a:solidFill>
-                <a:ea typeface="+mn-lt"/>
-                <a:cs typeface="+mn-lt"/>
-              </a:rPr>
-              <a:t>você</a:t>
-            </a:r>
-            <a:r>
-              <a:rPr lang="de-DE" sz="2000" dirty="0">
-                <a:solidFill>
-                  <a:srgbClr val="FFFFFF"/>
-                </a:solidFill>
-                <a:ea typeface="+mn-lt"/>
-                <a:cs typeface="+mn-lt"/>
-              </a:rPr>
-              <a:t> </a:t>
-            </a:r>
-            <a:r>
-              <a:rPr lang="de-DE" sz="2000" err="1">
-                <a:solidFill>
-                  <a:srgbClr val="FFFFFF"/>
-                </a:solidFill>
-                <a:ea typeface="+mn-lt"/>
-                <a:cs typeface="+mn-lt"/>
-              </a:rPr>
-              <a:t>deseja</a:t>
-            </a:r>
-            <a:r>
-              <a:rPr lang="de-DE" sz="2000" dirty="0">
-                <a:solidFill>
-                  <a:srgbClr val="FFFFFF"/>
-                </a:solidFill>
-                <a:ea typeface="+mn-lt"/>
-                <a:cs typeface="+mn-lt"/>
-              </a:rPr>
-              <a:t> </a:t>
-            </a:r>
-            <a:r>
-              <a:rPr lang="de-DE" sz="2000" err="1">
-                <a:solidFill>
-                  <a:srgbClr val="FFFFFF"/>
-                </a:solidFill>
-                <a:ea typeface="+mn-lt"/>
-                <a:cs typeface="+mn-lt"/>
-              </a:rPr>
-              <a:t>alcançar</a:t>
-            </a:r>
-            <a:r>
-              <a:rPr lang="de-DE" sz="2000" dirty="0">
-                <a:solidFill>
-                  <a:srgbClr val="FFFFFF"/>
-                </a:solidFill>
-                <a:ea typeface="+mn-lt"/>
-                <a:cs typeface="+mn-lt"/>
-              </a:rPr>
-              <a:t> </a:t>
-            </a:r>
-            <a:r>
-              <a:rPr lang="de-DE" sz="2000" err="1">
-                <a:solidFill>
-                  <a:srgbClr val="FFFFFF"/>
-                </a:solidFill>
-                <a:ea typeface="+mn-lt"/>
-                <a:cs typeface="+mn-lt"/>
-              </a:rPr>
-              <a:t>com</a:t>
-            </a:r>
-            <a:r>
-              <a:rPr lang="de-DE" sz="2000" dirty="0">
-                <a:solidFill>
-                  <a:srgbClr val="FFFFFF"/>
-                </a:solidFill>
-                <a:ea typeface="+mn-lt"/>
-                <a:cs typeface="+mn-lt"/>
-              </a:rPr>
-              <a:t> o teste de </a:t>
-            </a:r>
-            <a:r>
-              <a:rPr lang="de-DE" sz="2000" err="1">
-                <a:solidFill>
-                  <a:srgbClr val="FFFFFF"/>
-                </a:solidFill>
-                <a:ea typeface="+mn-lt"/>
-                <a:cs typeface="+mn-lt"/>
-              </a:rPr>
-              <a:t>estresse</a:t>
-            </a:r>
-            <a:r>
-              <a:rPr lang="de-DE" sz="2000" dirty="0">
-                <a:solidFill>
-                  <a:srgbClr val="FFFFFF"/>
-                </a:solidFill>
-                <a:ea typeface="+mn-lt"/>
-                <a:cs typeface="+mn-lt"/>
-              </a:rPr>
-              <a:t>. </a:t>
-            </a:r>
-            <a:r>
-              <a:rPr lang="de-DE" sz="2000" err="1">
-                <a:solidFill>
-                  <a:srgbClr val="FFFFFF"/>
-                </a:solidFill>
-                <a:ea typeface="+mn-lt"/>
-                <a:cs typeface="+mn-lt"/>
-              </a:rPr>
-              <a:t>Isto</a:t>
-            </a:r>
-            <a:r>
-              <a:rPr lang="de-DE" sz="2000" dirty="0">
-                <a:solidFill>
-                  <a:srgbClr val="FFFFFF"/>
-                </a:solidFill>
-                <a:ea typeface="+mn-lt"/>
-                <a:cs typeface="+mn-lt"/>
-              </a:rPr>
-              <a:t> </a:t>
-            </a:r>
-            <a:r>
-              <a:rPr lang="de-DE" sz="2000" err="1">
-                <a:solidFill>
-                  <a:srgbClr val="FFFFFF"/>
-                </a:solidFill>
-                <a:ea typeface="+mn-lt"/>
-                <a:cs typeface="+mn-lt"/>
-              </a:rPr>
-              <a:t>pode</a:t>
-            </a:r>
-            <a:r>
-              <a:rPr lang="de-DE" sz="2000" dirty="0">
-                <a:solidFill>
-                  <a:srgbClr val="FFFFFF"/>
-                </a:solidFill>
-                <a:ea typeface="+mn-lt"/>
-                <a:cs typeface="+mn-lt"/>
-              </a:rPr>
-              <a:t> </a:t>
-            </a:r>
-            <a:r>
-              <a:rPr lang="de-DE" sz="2000" err="1">
-                <a:solidFill>
-                  <a:srgbClr val="FFFFFF"/>
-                </a:solidFill>
-                <a:ea typeface="+mn-lt"/>
-                <a:cs typeface="+mn-lt"/>
-              </a:rPr>
-              <a:t>incluir</a:t>
-            </a:r>
-            <a:r>
-              <a:rPr lang="de-DE" sz="2000" dirty="0">
-                <a:solidFill>
-                  <a:srgbClr val="FFFFFF"/>
-                </a:solidFill>
-                <a:ea typeface="+mn-lt"/>
-                <a:cs typeface="+mn-lt"/>
-              </a:rPr>
-              <a:t> a </a:t>
-            </a:r>
-            <a:r>
-              <a:rPr lang="de-DE" sz="2000" err="1">
-                <a:solidFill>
-                  <a:srgbClr val="FFFFFF"/>
-                </a:solidFill>
-                <a:ea typeface="+mn-lt"/>
-                <a:cs typeface="+mn-lt"/>
-              </a:rPr>
-              <a:t>identificação</a:t>
-            </a:r>
-            <a:r>
-              <a:rPr lang="de-DE" sz="2000" dirty="0">
-                <a:solidFill>
-                  <a:srgbClr val="FFFFFF"/>
-                </a:solidFill>
-                <a:ea typeface="+mn-lt"/>
-                <a:cs typeface="+mn-lt"/>
-              </a:rPr>
-              <a:t> de </a:t>
-            </a:r>
-            <a:r>
-              <a:rPr lang="de-DE" sz="2000" err="1">
-                <a:solidFill>
-                  <a:srgbClr val="FFFFFF"/>
-                </a:solidFill>
-                <a:ea typeface="+mn-lt"/>
-                <a:cs typeface="+mn-lt"/>
-              </a:rPr>
-              <a:t>violações</a:t>
-            </a:r>
-            <a:r>
-              <a:rPr lang="de-DE" sz="2000" dirty="0">
-                <a:solidFill>
-                  <a:srgbClr val="FFFFFF"/>
-                </a:solidFill>
-                <a:ea typeface="+mn-lt"/>
-                <a:cs typeface="+mn-lt"/>
-              </a:rPr>
-              <a:t> de </a:t>
-            </a:r>
-            <a:r>
-              <a:rPr lang="de-DE" sz="2000" err="1">
-                <a:solidFill>
-                  <a:srgbClr val="FFFFFF"/>
-                </a:solidFill>
-                <a:ea typeface="+mn-lt"/>
-                <a:cs typeface="+mn-lt"/>
-              </a:rPr>
-              <a:t>software</a:t>
-            </a:r>
-            <a:r>
-              <a:rPr lang="de-DE" sz="2000" dirty="0">
-                <a:solidFill>
-                  <a:srgbClr val="FFFFFF"/>
-                </a:solidFill>
-                <a:ea typeface="+mn-lt"/>
-                <a:cs typeface="+mn-lt"/>
-              </a:rPr>
-              <a:t>, a </a:t>
-            </a:r>
-            <a:r>
-              <a:rPr lang="de-DE" sz="2000" err="1">
-                <a:solidFill>
-                  <a:srgbClr val="FFFFFF"/>
-                </a:solidFill>
-                <a:ea typeface="+mn-lt"/>
-                <a:cs typeface="+mn-lt"/>
-              </a:rPr>
-              <a:t>garantia</a:t>
-            </a:r>
-            <a:r>
-              <a:rPr lang="de-DE" sz="2000" dirty="0">
-                <a:solidFill>
-                  <a:srgbClr val="FFFFFF"/>
-                </a:solidFill>
-                <a:ea typeface="+mn-lt"/>
-                <a:cs typeface="+mn-lt"/>
-              </a:rPr>
-              <a:t> da </a:t>
-            </a:r>
-            <a:r>
-              <a:rPr lang="de-DE" sz="2000" err="1">
-                <a:solidFill>
-                  <a:srgbClr val="FFFFFF"/>
-                </a:solidFill>
-                <a:ea typeface="+mn-lt"/>
-                <a:cs typeface="+mn-lt"/>
-              </a:rPr>
-              <a:t>melhor</a:t>
-            </a:r>
-            <a:r>
-              <a:rPr lang="de-DE" sz="2000" dirty="0">
-                <a:solidFill>
-                  <a:srgbClr val="FFFFFF"/>
-                </a:solidFill>
-                <a:ea typeface="+mn-lt"/>
-                <a:cs typeface="+mn-lt"/>
-              </a:rPr>
-              <a:t> </a:t>
-            </a:r>
-            <a:r>
-              <a:rPr lang="de-DE" sz="2000" err="1">
-                <a:solidFill>
-                  <a:srgbClr val="FFFFFF"/>
-                </a:solidFill>
-                <a:ea typeface="+mn-lt"/>
-                <a:cs typeface="+mn-lt"/>
-              </a:rPr>
-              <a:t>experiência</a:t>
-            </a:r>
-            <a:r>
-              <a:rPr lang="de-DE" sz="2000" dirty="0">
-                <a:solidFill>
-                  <a:srgbClr val="FFFFFF"/>
-                </a:solidFill>
-                <a:ea typeface="+mn-lt"/>
-                <a:cs typeface="+mn-lt"/>
-              </a:rPr>
-              <a:t> do </a:t>
-            </a:r>
-            <a:r>
-              <a:rPr lang="de-DE" sz="2000" err="1">
-                <a:solidFill>
-                  <a:srgbClr val="FFFFFF"/>
-                </a:solidFill>
-                <a:ea typeface="+mn-lt"/>
-                <a:cs typeface="+mn-lt"/>
-              </a:rPr>
-              <a:t>usuário</a:t>
-            </a:r>
-            <a:r>
-              <a:rPr lang="de-DE" sz="2000" dirty="0">
-                <a:solidFill>
-                  <a:srgbClr val="FFFFFF"/>
-                </a:solidFill>
-                <a:ea typeface="+mn-lt"/>
-                <a:cs typeface="+mn-lt"/>
-              </a:rPr>
-              <a:t> </a:t>
-            </a:r>
-            <a:r>
-              <a:rPr lang="de-DE" sz="2000" err="1">
-                <a:solidFill>
-                  <a:srgbClr val="FFFFFF"/>
-                </a:solidFill>
-                <a:ea typeface="+mn-lt"/>
-                <a:cs typeface="+mn-lt"/>
-              </a:rPr>
-              <a:t>ou</a:t>
-            </a:r>
-            <a:r>
-              <a:rPr lang="de-DE" sz="2000" dirty="0">
-                <a:solidFill>
-                  <a:srgbClr val="FFFFFF"/>
-                </a:solidFill>
-                <a:ea typeface="+mn-lt"/>
-                <a:cs typeface="+mn-lt"/>
-              </a:rPr>
-              <a:t> a </a:t>
-            </a:r>
-            <a:r>
-              <a:rPr lang="de-DE" sz="2000" err="1">
-                <a:solidFill>
-                  <a:srgbClr val="FFFFFF"/>
-                </a:solidFill>
-                <a:ea typeface="+mn-lt"/>
-                <a:cs typeface="+mn-lt"/>
-              </a:rPr>
-              <a:t>preparação</a:t>
-            </a:r>
-            <a:r>
-              <a:rPr lang="de-DE" sz="2000" dirty="0">
-                <a:solidFill>
-                  <a:srgbClr val="FFFFFF"/>
-                </a:solidFill>
-                <a:ea typeface="+mn-lt"/>
-                <a:cs typeface="+mn-lt"/>
-              </a:rPr>
-              <a:t> </a:t>
-            </a:r>
-            <a:r>
-              <a:rPr lang="de-DE" sz="2000" err="1">
-                <a:solidFill>
-                  <a:srgbClr val="FFFFFF"/>
-                </a:solidFill>
-                <a:ea typeface="+mn-lt"/>
-                <a:cs typeface="+mn-lt"/>
-              </a:rPr>
-              <a:t>para</a:t>
-            </a:r>
-            <a:r>
-              <a:rPr lang="de-DE" sz="2000" dirty="0">
-                <a:solidFill>
-                  <a:srgbClr val="FFFFFF"/>
-                </a:solidFill>
-                <a:ea typeface="+mn-lt"/>
-                <a:cs typeface="+mn-lt"/>
-              </a:rPr>
-              <a:t> </a:t>
-            </a:r>
-            <a:r>
-              <a:rPr lang="de-DE" sz="2000" err="1">
-                <a:solidFill>
-                  <a:srgbClr val="FFFFFF"/>
-                </a:solidFill>
-                <a:ea typeface="+mn-lt"/>
-                <a:cs typeface="+mn-lt"/>
-              </a:rPr>
-              <a:t>eventos</a:t>
-            </a:r>
-            <a:r>
-              <a:rPr lang="de-DE" sz="2000" dirty="0">
-                <a:solidFill>
-                  <a:srgbClr val="FFFFFF"/>
-                </a:solidFill>
-                <a:ea typeface="+mn-lt"/>
-                <a:cs typeface="+mn-lt"/>
-              </a:rPr>
-              <a:t> </a:t>
-            </a:r>
-            <a:r>
-              <a:rPr lang="de-DE" sz="2000" err="1">
-                <a:solidFill>
-                  <a:srgbClr val="FFFFFF"/>
-                </a:solidFill>
-                <a:ea typeface="+mn-lt"/>
-                <a:cs typeface="+mn-lt"/>
-              </a:rPr>
-              <a:t>especiais</a:t>
-            </a:r>
-            <a:r>
-              <a:rPr lang="de-DE" sz="2000" dirty="0">
-                <a:solidFill>
-                  <a:srgbClr val="FFFFFF"/>
-                </a:solidFill>
-                <a:ea typeface="+mn-lt"/>
-                <a:cs typeface="+mn-lt"/>
-              </a:rPr>
-              <a:t>, </a:t>
-            </a:r>
-            <a:r>
-              <a:rPr lang="de-DE" sz="2000" err="1">
-                <a:solidFill>
-                  <a:srgbClr val="FFFFFF"/>
-                </a:solidFill>
-                <a:ea typeface="+mn-lt"/>
-                <a:cs typeface="+mn-lt"/>
-              </a:rPr>
-              <a:t>como</a:t>
-            </a:r>
-            <a:r>
-              <a:rPr lang="de-DE" sz="2000" dirty="0">
-                <a:solidFill>
-                  <a:srgbClr val="FFFFFF"/>
-                </a:solidFill>
-                <a:ea typeface="+mn-lt"/>
-                <a:cs typeface="+mn-lt"/>
-              </a:rPr>
-              <a:t> </a:t>
-            </a:r>
-            <a:r>
-              <a:rPr lang="de-DE" sz="2000" err="1">
-                <a:solidFill>
-                  <a:srgbClr val="FFFFFF"/>
-                </a:solidFill>
-                <a:ea typeface="+mn-lt"/>
-                <a:cs typeface="+mn-lt"/>
-              </a:rPr>
-              <a:t>lançamentos</a:t>
-            </a:r>
-            <a:r>
-              <a:rPr lang="de-DE" sz="2000" dirty="0">
-                <a:solidFill>
-                  <a:srgbClr val="FFFFFF"/>
-                </a:solidFill>
-                <a:ea typeface="+mn-lt"/>
-                <a:cs typeface="+mn-lt"/>
-              </a:rPr>
-              <a:t> de </a:t>
-            </a:r>
-            <a:r>
-              <a:rPr lang="de-DE" sz="2000" err="1">
-                <a:solidFill>
-                  <a:srgbClr val="FFFFFF"/>
-                </a:solidFill>
-                <a:ea typeface="+mn-lt"/>
-                <a:cs typeface="+mn-lt"/>
-              </a:rPr>
-              <a:t>produtos</a:t>
-            </a:r>
-            <a:r>
-              <a:rPr lang="de-DE" sz="2000" dirty="0">
-                <a:solidFill>
-                  <a:srgbClr val="FFFFFF"/>
-                </a:solidFill>
-                <a:ea typeface="+mn-lt"/>
-                <a:cs typeface="+mn-lt"/>
-              </a:rPr>
-              <a:t>.</a:t>
-            </a:r>
-            <a:endParaRPr lang="de-DE" sz="2000">
-              <a:ea typeface="Calibri"/>
-              <a:cs typeface="Calibri"/>
-            </a:endParaRPr>
-          </a:p>
-          <a:p>
-            <a:r>
-              <a:rPr lang="de-DE" sz="2000" err="1">
-                <a:solidFill>
-                  <a:srgbClr val="FFFFFF"/>
-                </a:solidFill>
-                <a:ea typeface="+mn-lt"/>
-                <a:cs typeface="+mn-lt"/>
-              </a:rPr>
-              <a:t>Identifique</a:t>
-            </a:r>
-            <a:r>
-              <a:rPr lang="de-DE" sz="2000" dirty="0">
-                <a:solidFill>
-                  <a:srgbClr val="FFFFFF"/>
-                </a:solidFill>
-                <a:ea typeface="+mn-lt"/>
-                <a:cs typeface="+mn-lt"/>
-              </a:rPr>
-              <a:t> </a:t>
-            </a:r>
-            <a:r>
-              <a:rPr lang="de-DE" sz="2000" err="1">
-                <a:solidFill>
-                  <a:srgbClr val="FFFFFF"/>
-                </a:solidFill>
-                <a:ea typeface="+mn-lt"/>
-                <a:cs typeface="+mn-lt"/>
-              </a:rPr>
-              <a:t>eventos</a:t>
-            </a:r>
-            <a:r>
-              <a:rPr lang="de-DE" sz="2000" dirty="0">
-                <a:solidFill>
-                  <a:srgbClr val="FFFFFF"/>
-                </a:solidFill>
-                <a:ea typeface="+mn-lt"/>
-                <a:cs typeface="+mn-lt"/>
-              </a:rPr>
-              <a:t> </a:t>
-            </a:r>
-            <a:r>
-              <a:rPr lang="de-DE" sz="2000" err="1">
-                <a:solidFill>
-                  <a:srgbClr val="FFFFFF"/>
-                </a:solidFill>
-                <a:ea typeface="+mn-lt"/>
-                <a:cs typeface="+mn-lt"/>
-              </a:rPr>
-              <a:t>críticos</a:t>
-            </a:r>
-            <a:r>
-              <a:rPr lang="de-DE" sz="2000" dirty="0">
-                <a:solidFill>
-                  <a:srgbClr val="FFFFFF"/>
-                </a:solidFill>
-                <a:ea typeface="+mn-lt"/>
-                <a:cs typeface="+mn-lt"/>
-              </a:rPr>
-              <a:t>: </a:t>
-            </a:r>
-            <a:r>
-              <a:rPr lang="de-DE" sz="2000" err="1">
-                <a:solidFill>
-                  <a:srgbClr val="FFFFFF"/>
-                </a:solidFill>
-                <a:ea typeface="+mn-lt"/>
-                <a:cs typeface="+mn-lt"/>
-              </a:rPr>
-              <a:t>identifique</a:t>
-            </a:r>
-            <a:r>
-              <a:rPr lang="de-DE" sz="2000" dirty="0">
-                <a:solidFill>
-                  <a:srgbClr val="FFFFFF"/>
-                </a:solidFill>
-                <a:ea typeface="+mn-lt"/>
-                <a:cs typeface="+mn-lt"/>
-              </a:rPr>
-              <a:t> </a:t>
-            </a:r>
-            <a:r>
-              <a:rPr lang="de-DE" sz="2000" err="1">
-                <a:solidFill>
-                  <a:srgbClr val="FFFFFF"/>
-                </a:solidFill>
-                <a:ea typeface="+mn-lt"/>
-                <a:cs typeface="+mn-lt"/>
-              </a:rPr>
-              <a:t>as</a:t>
-            </a:r>
-            <a:r>
-              <a:rPr lang="de-DE" sz="2000" dirty="0">
-                <a:solidFill>
-                  <a:srgbClr val="FFFFFF"/>
-                </a:solidFill>
-                <a:ea typeface="+mn-lt"/>
-                <a:cs typeface="+mn-lt"/>
-              </a:rPr>
-              <a:t> </a:t>
-            </a:r>
-            <a:r>
-              <a:rPr lang="de-DE" sz="2000" err="1">
-                <a:solidFill>
-                  <a:srgbClr val="FFFFFF"/>
-                </a:solidFill>
-                <a:ea typeface="+mn-lt"/>
-                <a:cs typeface="+mn-lt"/>
-              </a:rPr>
-              <a:t>principais</a:t>
-            </a:r>
-            <a:r>
-              <a:rPr lang="de-DE" sz="2000" dirty="0">
-                <a:solidFill>
-                  <a:srgbClr val="FFFFFF"/>
-                </a:solidFill>
-                <a:ea typeface="+mn-lt"/>
-                <a:cs typeface="+mn-lt"/>
-              </a:rPr>
-              <a:t> </a:t>
-            </a:r>
-            <a:r>
-              <a:rPr lang="de-DE" sz="2000" err="1">
-                <a:solidFill>
-                  <a:srgbClr val="FFFFFF"/>
-                </a:solidFill>
-                <a:ea typeface="+mn-lt"/>
-                <a:cs typeface="+mn-lt"/>
-              </a:rPr>
-              <a:t>funções</a:t>
-            </a:r>
-            <a:r>
-              <a:rPr lang="de-DE" sz="2000" dirty="0">
-                <a:solidFill>
-                  <a:srgbClr val="FFFFFF"/>
-                </a:solidFill>
-                <a:ea typeface="+mn-lt"/>
-                <a:cs typeface="+mn-lt"/>
-              </a:rPr>
-              <a:t> de </a:t>
-            </a:r>
-            <a:r>
-              <a:rPr lang="de-DE" sz="2000" err="1">
-                <a:solidFill>
-                  <a:srgbClr val="FFFFFF"/>
-                </a:solidFill>
-                <a:ea typeface="+mn-lt"/>
-                <a:cs typeface="+mn-lt"/>
-              </a:rPr>
-              <a:t>software</a:t>
-            </a:r>
-            <a:r>
-              <a:rPr lang="de-DE" sz="2000" dirty="0">
-                <a:solidFill>
-                  <a:srgbClr val="FFFFFF"/>
-                </a:solidFill>
-                <a:ea typeface="+mn-lt"/>
-                <a:cs typeface="+mn-lt"/>
-              </a:rPr>
-              <a:t> </a:t>
-            </a:r>
-            <a:r>
-              <a:rPr lang="de-DE" sz="2000" err="1">
-                <a:solidFill>
-                  <a:srgbClr val="FFFFFF"/>
-                </a:solidFill>
-                <a:ea typeface="+mn-lt"/>
-                <a:cs typeface="+mn-lt"/>
-              </a:rPr>
-              <a:t>que</a:t>
-            </a:r>
-            <a:r>
-              <a:rPr lang="de-DE" sz="2000" dirty="0">
-                <a:solidFill>
-                  <a:srgbClr val="FFFFFF"/>
-                </a:solidFill>
-                <a:ea typeface="+mn-lt"/>
-                <a:cs typeface="+mn-lt"/>
-              </a:rPr>
-              <a:t> </a:t>
-            </a:r>
-            <a:r>
-              <a:rPr lang="de-DE" sz="2000" err="1">
-                <a:solidFill>
-                  <a:srgbClr val="FFFFFF"/>
-                </a:solidFill>
-                <a:ea typeface="+mn-lt"/>
-                <a:cs typeface="+mn-lt"/>
-              </a:rPr>
-              <a:t>precisam</a:t>
-            </a:r>
-            <a:r>
-              <a:rPr lang="de-DE" sz="2000" dirty="0">
-                <a:solidFill>
-                  <a:srgbClr val="FFFFFF"/>
-                </a:solidFill>
-                <a:ea typeface="+mn-lt"/>
-                <a:cs typeface="+mn-lt"/>
-              </a:rPr>
-              <a:t> </a:t>
-            </a:r>
-            <a:r>
-              <a:rPr lang="de-DE" sz="2000" err="1">
-                <a:solidFill>
-                  <a:srgbClr val="FFFFFF"/>
-                </a:solidFill>
-                <a:ea typeface="+mn-lt"/>
-                <a:cs typeface="+mn-lt"/>
-              </a:rPr>
-              <a:t>ser</a:t>
-            </a:r>
-            <a:r>
-              <a:rPr lang="de-DE" sz="2000" dirty="0">
-                <a:solidFill>
-                  <a:srgbClr val="FFFFFF"/>
-                </a:solidFill>
-                <a:ea typeface="+mn-lt"/>
-                <a:cs typeface="+mn-lt"/>
-              </a:rPr>
-              <a:t> </a:t>
-            </a:r>
-            <a:r>
-              <a:rPr lang="de-DE" sz="2000" err="1">
-                <a:solidFill>
-                  <a:srgbClr val="FFFFFF"/>
-                </a:solidFill>
-                <a:ea typeface="+mn-lt"/>
-                <a:cs typeface="+mn-lt"/>
-              </a:rPr>
-              <a:t>testadas</a:t>
-            </a:r>
-            <a:r>
-              <a:rPr lang="de-DE" sz="2000" dirty="0">
-                <a:solidFill>
-                  <a:srgbClr val="FFFFFF"/>
-                </a:solidFill>
-                <a:ea typeface="+mn-lt"/>
-                <a:cs typeface="+mn-lt"/>
-              </a:rPr>
-              <a:t>. </a:t>
-            </a:r>
-            <a:r>
-              <a:rPr lang="de-DE" sz="2000" err="1">
-                <a:solidFill>
-                  <a:srgbClr val="FFFFFF"/>
-                </a:solidFill>
-                <a:ea typeface="+mn-lt"/>
-                <a:cs typeface="+mn-lt"/>
-              </a:rPr>
-              <a:t>Isso</a:t>
-            </a:r>
-            <a:r>
-              <a:rPr lang="de-DE" sz="2000" dirty="0">
-                <a:solidFill>
-                  <a:srgbClr val="FFFFFF"/>
-                </a:solidFill>
-                <a:ea typeface="+mn-lt"/>
-                <a:cs typeface="+mn-lt"/>
-              </a:rPr>
-              <a:t> </a:t>
-            </a:r>
-            <a:r>
-              <a:rPr lang="de-DE" sz="2000" err="1">
-                <a:solidFill>
-                  <a:srgbClr val="FFFFFF"/>
-                </a:solidFill>
-                <a:ea typeface="+mn-lt"/>
-                <a:cs typeface="+mn-lt"/>
-              </a:rPr>
-              <a:t>geralmente</a:t>
-            </a:r>
-            <a:r>
-              <a:rPr lang="de-DE" sz="2000" dirty="0">
-                <a:solidFill>
-                  <a:srgbClr val="FFFFFF"/>
-                </a:solidFill>
-                <a:ea typeface="+mn-lt"/>
-                <a:cs typeface="+mn-lt"/>
-              </a:rPr>
-              <a:t> </a:t>
-            </a:r>
-            <a:r>
-              <a:rPr lang="de-DE" sz="2000" err="1">
-                <a:solidFill>
-                  <a:srgbClr val="FFFFFF"/>
-                </a:solidFill>
-                <a:ea typeface="+mn-lt"/>
-                <a:cs typeface="+mn-lt"/>
-              </a:rPr>
-              <a:t>inclui</a:t>
-            </a:r>
-            <a:r>
-              <a:rPr lang="de-DE" sz="2000" dirty="0">
-                <a:solidFill>
-                  <a:srgbClr val="FFFFFF"/>
-                </a:solidFill>
-                <a:ea typeface="+mn-lt"/>
-                <a:cs typeface="+mn-lt"/>
-              </a:rPr>
-              <a:t> </a:t>
-            </a:r>
-            <a:r>
-              <a:rPr lang="de-DE" sz="2000" err="1">
-                <a:solidFill>
-                  <a:srgbClr val="FFFFFF"/>
-                </a:solidFill>
-                <a:ea typeface="+mn-lt"/>
-                <a:cs typeface="+mn-lt"/>
-              </a:rPr>
-              <a:t>os</a:t>
-            </a:r>
-            <a:r>
-              <a:rPr lang="de-DE" sz="2000" dirty="0">
-                <a:solidFill>
-                  <a:srgbClr val="FFFFFF"/>
-                </a:solidFill>
-                <a:ea typeface="+mn-lt"/>
-                <a:cs typeface="+mn-lt"/>
-              </a:rPr>
-              <a:t> </a:t>
-            </a:r>
-            <a:r>
-              <a:rPr lang="de-DE" sz="2000" err="1">
-                <a:solidFill>
-                  <a:srgbClr val="FFFFFF"/>
-                </a:solidFill>
-                <a:ea typeface="+mn-lt"/>
-                <a:cs typeface="+mn-lt"/>
-              </a:rPr>
-              <a:t>recursos</a:t>
-            </a:r>
-            <a:r>
-              <a:rPr lang="de-DE" sz="2000" dirty="0">
-                <a:solidFill>
-                  <a:srgbClr val="FFFFFF"/>
-                </a:solidFill>
-                <a:ea typeface="+mn-lt"/>
-                <a:cs typeface="+mn-lt"/>
-              </a:rPr>
-              <a:t> </a:t>
-            </a:r>
-            <a:r>
-              <a:rPr lang="de-DE" sz="2000" err="1">
-                <a:solidFill>
-                  <a:srgbClr val="FFFFFF"/>
-                </a:solidFill>
-                <a:ea typeface="+mn-lt"/>
-                <a:cs typeface="+mn-lt"/>
-              </a:rPr>
-              <a:t>usados</a:t>
-            </a:r>
-            <a:r>
-              <a:rPr lang="de-DE" sz="2000" dirty="0">
-                <a:solidFill>
-                  <a:srgbClr val="FFFFFF"/>
-                </a:solidFill>
-                <a:ea typeface="+mn-lt"/>
-                <a:cs typeface="+mn-lt"/>
-              </a:rPr>
-              <a:t> </a:t>
-            </a:r>
-            <a:r>
-              <a:rPr lang="de-DE" sz="2000" err="1">
-                <a:solidFill>
-                  <a:srgbClr val="FFFFFF"/>
-                </a:solidFill>
-                <a:ea typeface="+mn-lt"/>
-                <a:cs typeface="+mn-lt"/>
-              </a:rPr>
-              <a:t>com</a:t>
-            </a:r>
-            <a:r>
-              <a:rPr lang="de-DE" sz="2000" dirty="0">
-                <a:solidFill>
-                  <a:srgbClr val="FFFFFF"/>
-                </a:solidFill>
-                <a:ea typeface="+mn-lt"/>
-                <a:cs typeface="+mn-lt"/>
-              </a:rPr>
-              <a:t> </a:t>
-            </a:r>
-            <a:r>
-              <a:rPr lang="de-DE" sz="2000" err="1">
-                <a:solidFill>
-                  <a:srgbClr val="FFFFFF"/>
-                </a:solidFill>
-                <a:ea typeface="+mn-lt"/>
-                <a:cs typeface="+mn-lt"/>
-              </a:rPr>
-              <a:t>mais</a:t>
-            </a:r>
-            <a:r>
-              <a:rPr lang="de-DE" sz="2000" dirty="0">
-                <a:solidFill>
-                  <a:srgbClr val="FFFFFF"/>
-                </a:solidFill>
-                <a:ea typeface="+mn-lt"/>
-                <a:cs typeface="+mn-lt"/>
-              </a:rPr>
-              <a:t> </a:t>
-            </a:r>
-            <a:r>
-              <a:rPr lang="de-DE" sz="2000" err="1">
-                <a:solidFill>
-                  <a:srgbClr val="FFFFFF"/>
-                </a:solidFill>
-                <a:ea typeface="+mn-lt"/>
-                <a:cs typeface="+mn-lt"/>
-              </a:rPr>
-              <a:t>frequência</a:t>
-            </a:r>
-            <a:r>
-              <a:rPr lang="de-DE" sz="2000" dirty="0">
-                <a:solidFill>
-                  <a:srgbClr val="FFFFFF"/>
-                </a:solidFill>
-                <a:ea typeface="+mn-lt"/>
-                <a:cs typeface="+mn-lt"/>
-              </a:rPr>
-              <a:t> e </a:t>
-            </a:r>
-            <a:r>
-              <a:rPr lang="de-DE" sz="2000" err="1">
-                <a:solidFill>
-                  <a:srgbClr val="FFFFFF"/>
-                </a:solidFill>
-                <a:ea typeface="+mn-lt"/>
-                <a:cs typeface="+mn-lt"/>
-              </a:rPr>
-              <a:t>os</a:t>
-            </a:r>
-            <a:r>
-              <a:rPr lang="de-DE" sz="2000" dirty="0">
-                <a:solidFill>
-                  <a:srgbClr val="FFFFFF"/>
-                </a:solidFill>
-                <a:ea typeface="+mn-lt"/>
-                <a:cs typeface="+mn-lt"/>
-              </a:rPr>
-              <a:t> </a:t>
-            </a:r>
-            <a:r>
-              <a:rPr lang="de-DE" sz="2000" err="1">
-                <a:solidFill>
-                  <a:srgbClr val="FFFFFF"/>
-                </a:solidFill>
-                <a:ea typeface="+mn-lt"/>
-                <a:cs typeface="+mn-lt"/>
-              </a:rPr>
-              <a:t>recursos</a:t>
-            </a:r>
-            <a:r>
-              <a:rPr lang="de-DE" sz="2000" dirty="0">
-                <a:solidFill>
-                  <a:srgbClr val="FFFFFF"/>
-                </a:solidFill>
-                <a:ea typeface="+mn-lt"/>
-                <a:cs typeface="+mn-lt"/>
-              </a:rPr>
-              <a:t> </a:t>
-            </a:r>
-            <a:r>
-              <a:rPr lang="de-DE" sz="2000" err="1">
-                <a:solidFill>
-                  <a:srgbClr val="FFFFFF"/>
-                </a:solidFill>
-                <a:ea typeface="+mn-lt"/>
-                <a:cs typeface="+mn-lt"/>
-              </a:rPr>
-              <a:t>que</a:t>
-            </a:r>
-            <a:r>
-              <a:rPr lang="de-DE" sz="2000" dirty="0">
-                <a:solidFill>
-                  <a:srgbClr val="FFFFFF"/>
-                </a:solidFill>
-                <a:ea typeface="+mn-lt"/>
-                <a:cs typeface="+mn-lt"/>
-              </a:rPr>
-              <a:t> </a:t>
-            </a:r>
-            <a:r>
-              <a:rPr lang="de-DE" sz="2000" err="1">
-                <a:solidFill>
-                  <a:srgbClr val="FFFFFF"/>
-                </a:solidFill>
-                <a:ea typeface="+mn-lt"/>
-                <a:cs typeface="+mn-lt"/>
-              </a:rPr>
-              <a:t>são</a:t>
-            </a:r>
-            <a:r>
-              <a:rPr lang="de-DE" sz="2000" dirty="0">
-                <a:solidFill>
-                  <a:srgbClr val="FFFFFF"/>
-                </a:solidFill>
-                <a:ea typeface="+mn-lt"/>
-                <a:cs typeface="+mn-lt"/>
-              </a:rPr>
-              <a:t> </a:t>
-            </a:r>
-            <a:r>
-              <a:rPr lang="de-DE" sz="2000" err="1">
-                <a:solidFill>
-                  <a:srgbClr val="FFFFFF"/>
-                </a:solidFill>
-                <a:ea typeface="+mn-lt"/>
-                <a:cs typeface="+mn-lt"/>
-              </a:rPr>
-              <a:t>importantes</a:t>
-            </a:r>
-            <a:r>
-              <a:rPr lang="de-DE" sz="2000" dirty="0">
-                <a:solidFill>
-                  <a:srgbClr val="FFFFFF"/>
-                </a:solidFill>
-                <a:ea typeface="+mn-lt"/>
-                <a:cs typeface="+mn-lt"/>
-              </a:rPr>
-              <a:t> </a:t>
-            </a:r>
-            <a:r>
-              <a:rPr lang="de-DE" sz="2000" err="1">
-                <a:solidFill>
-                  <a:srgbClr val="FFFFFF"/>
-                </a:solidFill>
-                <a:ea typeface="+mn-lt"/>
-                <a:cs typeface="+mn-lt"/>
-              </a:rPr>
-              <a:t>para</a:t>
-            </a:r>
-            <a:r>
-              <a:rPr lang="de-DE" sz="2000" dirty="0">
-                <a:solidFill>
-                  <a:srgbClr val="FFFFFF"/>
-                </a:solidFill>
-                <a:ea typeface="+mn-lt"/>
-                <a:cs typeface="+mn-lt"/>
-              </a:rPr>
-              <a:t> a </a:t>
-            </a:r>
-            <a:r>
-              <a:rPr lang="de-DE" sz="2000" err="1">
-                <a:solidFill>
-                  <a:srgbClr val="FFFFFF"/>
-                </a:solidFill>
-                <a:ea typeface="+mn-lt"/>
-                <a:cs typeface="+mn-lt"/>
-              </a:rPr>
-              <a:t>experiência</a:t>
-            </a:r>
-            <a:r>
-              <a:rPr lang="de-DE" sz="2000" dirty="0">
-                <a:solidFill>
-                  <a:srgbClr val="FFFFFF"/>
-                </a:solidFill>
-                <a:ea typeface="+mn-lt"/>
-                <a:cs typeface="+mn-lt"/>
-              </a:rPr>
-              <a:t> do </a:t>
-            </a:r>
-            <a:r>
-              <a:rPr lang="de-DE" sz="2000" err="1">
-                <a:solidFill>
-                  <a:srgbClr val="FFFFFF"/>
-                </a:solidFill>
-                <a:ea typeface="+mn-lt"/>
-                <a:cs typeface="+mn-lt"/>
-              </a:rPr>
-              <a:t>usuário</a:t>
-            </a:r>
-            <a:r>
-              <a:rPr lang="de-DE" sz="2000" dirty="0">
-                <a:solidFill>
-                  <a:srgbClr val="FFFFFF"/>
-                </a:solidFill>
-                <a:ea typeface="+mn-lt"/>
-                <a:cs typeface="+mn-lt"/>
-              </a:rPr>
-              <a:t>.</a:t>
-            </a:r>
-            <a:endParaRPr lang="de-DE" sz="2000">
-              <a:ea typeface="Calibri"/>
-              <a:cs typeface="Calibri"/>
-            </a:endParaRPr>
-          </a:p>
-          <a:p>
-            <a:r>
-              <a:rPr lang="de-DE" sz="2000" err="1">
-                <a:solidFill>
-                  <a:srgbClr val="FFFFFF"/>
-                </a:solidFill>
-                <a:ea typeface="+mn-lt"/>
-                <a:cs typeface="+mn-lt"/>
-              </a:rPr>
-              <a:t>Configure</a:t>
-            </a:r>
-            <a:r>
-              <a:rPr lang="de-DE" sz="2000" dirty="0">
-                <a:solidFill>
-                  <a:srgbClr val="FFFFFF"/>
-                </a:solidFill>
-                <a:ea typeface="+mn-lt"/>
-                <a:cs typeface="+mn-lt"/>
-              </a:rPr>
-              <a:t> </a:t>
-            </a:r>
-            <a:r>
-              <a:rPr lang="de-DE" sz="2000" err="1">
-                <a:solidFill>
-                  <a:srgbClr val="FFFFFF"/>
-                </a:solidFill>
-                <a:ea typeface="+mn-lt"/>
-                <a:cs typeface="+mn-lt"/>
-              </a:rPr>
-              <a:t>seu</a:t>
-            </a:r>
-            <a:r>
-              <a:rPr lang="de-DE" sz="2000" dirty="0">
-                <a:solidFill>
-                  <a:srgbClr val="FFFFFF"/>
-                </a:solidFill>
-                <a:ea typeface="+mn-lt"/>
-                <a:cs typeface="+mn-lt"/>
-              </a:rPr>
-              <a:t> ambiente de teste: O ambiente de teste </a:t>
-            </a:r>
-            <a:r>
-              <a:rPr lang="de-DE" sz="2000" err="1">
-                <a:solidFill>
-                  <a:srgbClr val="FFFFFF"/>
-                </a:solidFill>
-                <a:ea typeface="+mn-lt"/>
-                <a:cs typeface="+mn-lt"/>
-              </a:rPr>
-              <a:t>deve</a:t>
-            </a:r>
-            <a:r>
-              <a:rPr lang="de-DE" sz="2000" dirty="0">
-                <a:solidFill>
-                  <a:srgbClr val="FFFFFF"/>
-                </a:solidFill>
-                <a:ea typeface="+mn-lt"/>
-                <a:cs typeface="+mn-lt"/>
-              </a:rPr>
-              <a:t> </a:t>
-            </a:r>
-            <a:r>
-              <a:rPr lang="de-DE" sz="2000" err="1">
-                <a:solidFill>
-                  <a:srgbClr val="FFFFFF"/>
-                </a:solidFill>
-                <a:ea typeface="+mn-lt"/>
-                <a:cs typeface="+mn-lt"/>
-              </a:rPr>
-              <a:t>imitar</a:t>
-            </a:r>
-            <a:r>
-              <a:rPr lang="de-DE" sz="2000" dirty="0">
-                <a:solidFill>
-                  <a:srgbClr val="FFFFFF"/>
-                </a:solidFill>
-                <a:ea typeface="+mn-lt"/>
-                <a:cs typeface="+mn-lt"/>
-              </a:rPr>
-              <a:t> o ambiente de </a:t>
-            </a:r>
-            <a:r>
-              <a:rPr lang="de-DE" sz="2000" err="1">
-                <a:solidFill>
-                  <a:srgbClr val="FFFFFF"/>
-                </a:solidFill>
-                <a:ea typeface="+mn-lt"/>
-                <a:cs typeface="+mn-lt"/>
-              </a:rPr>
-              <a:t>produção</a:t>
-            </a:r>
-            <a:r>
-              <a:rPr lang="de-DE" sz="2000" dirty="0">
-                <a:solidFill>
-                  <a:srgbClr val="FFFFFF"/>
-                </a:solidFill>
-                <a:ea typeface="+mn-lt"/>
-                <a:cs typeface="+mn-lt"/>
-              </a:rPr>
-              <a:t> o </a:t>
-            </a:r>
-            <a:r>
-              <a:rPr lang="de-DE" sz="2000" err="1">
-                <a:solidFill>
-                  <a:srgbClr val="FFFFFF"/>
-                </a:solidFill>
-                <a:ea typeface="+mn-lt"/>
-                <a:cs typeface="+mn-lt"/>
-              </a:rPr>
-              <a:t>máximo</a:t>
-            </a:r>
-            <a:r>
-              <a:rPr lang="de-DE" sz="2000" dirty="0">
-                <a:solidFill>
-                  <a:srgbClr val="FFFFFF"/>
-                </a:solidFill>
-                <a:ea typeface="+mn-lt"/>
-                <a:cs typeface="+mn-lt"/>
-              </a:rPr>
-              <a:t> </a:t>
-            </a:r>
-            <a:r>
-              <a:rPr lang="de-DE" sz="2000" err="1">
-                <a:solidFill>
-                  <a:srgbClr val="FFFFFF"/>
-                </a:solidFill>
-                <a:ea typeface="+mn-lt"/>
-                <a:cs typeface="+mn-lt"/>
-              </a:rPr>
-              <a:t>possível</a:t>
-            </a:r>
-            <a:r>
-              <a:rPr lang="de-DE" sz="2000" dirty="0">
-                <a:solidFill>
-                  <a:srgbClr val="FFFFFF"/>
-                </a:solidFill>
-                <a:ea typeface="+mn-lt"/>
-                <a:cs typeface="+mn-lt"/>
-              </a:rPr>
-              <a:t> </a:t>
-            </a:r>
-            <a:r>
-              <a:rPr lang="de-DE" sz="2000" err="1">
-                <a:solidFill>
-                  <a:srgbClr val="FFFFFF"/>
-                </a:solidFill>
-                <a:ea typeface="+mn-lt"/>
-                <a:cs typeface="+mn-lt"/>
-              </a:rPr>
-              <a:t>para</a:t>
-            </a:r>
-            <a:r>
-              <a:rPr lang="de-DE" sz="2000" dirty="0">
-                <a:solidFill>
-                  <a:srgbClr val="FFFFFF"/>
-                </a:solidFill>
-                <a:ea typeface="+mn-lt"/>
-                <a:cs typeface="+mn-lt"/>
-              </a:rPr>
-              <a:t> </a:t>
-            </a:r>
-            <a:r>
-              <a:rPr lang="de-DE" sz="2000" err="1">
-                <a:solidFill>
-                  <a:srgbClr val="FFFFFF"/>
-                </a:solidFill>
-                <a:ea typeface="+mn-lt"/>
-                <a:cs typeface="+mn-lt"/>
-              </a:rPr>
-              <a:t>obter</a:t>
-            </a:r>
-            <a:r>
-              <a:rPr lang="de-DE" sz="2000" dirty="0">
-                <a:solidFill>
-                  <a:srgbClr val="FFFFFF"/>
-                </a:solidFill>
-                <a:ea typeface="+mn-lt"/>
-                <a:cs typeface="+mn-lt"/>
-              </a:rPr>
-              <a:t> </a:t>
-            </a:r>
-            <a:r>
-              <a:rPr lang="de-DE" sz="2000" err="1">
-                <a:solidFill>
-                  <a:srgbClr val="FFFFFF"/>
-                </a:solidFill>
-                <a:ea typeface="+mn-lt"/>
-                <a:cs typeface="+mn-lt"/>
-              </a:rPr>
-              <a:t>resultados</a:t>
-            </a:r>
-            <a:r>
-              <a:rPr lang="de-DE" sz="2000" dirty="0">
-                <a:solidFill>
-                  <a:srgbClr val="FFFFFF"/>
-                </a:solidFill>
-                <a:ea typeface="+mn-lt"/>
-                <a:cs typeface="+mn-lt"/>
-              </a:rPr>
-              <a:t> </a:t>
-            </a:r>
-            <a:r>
-              <a:rPr lang="de-DE" sz="2000" err="1">
-                <a:solidFill>
-                  <a:srgbClr val="FFFFFF"/>
-                </a:solidFill>
-                <a:ea typeface="+mn-lt"/>
-                <a:cs typeface="+mn-lt"/>
-              </a:rPr>
-              <a:t>precisos</a:t>
-            </a:r>
-            <a:r>
-              <a:rPr lang="de-DE" sz="2000" dirty="0">
-                <a:solidFill>
-                  <a:srgbClr val="FFFFFF"/>
-                </a:solidFill>
-                <a:ea typeface="+mn-lt"/>
-                <a:cs typeface="+mn-lt"/>
-              </a:rPr>
-              <a:t>. </a:t>
-            </a:r>
-            <a:r>
-              <a:rPr lang="de-DE" sz="2000" err="1">
-                <a:solidFill>
-                  <a:srgbClr val="FFFFFF"/>
-                </a:solidFill>
-                <a:ea typeface="+mn-lt"/>
-                <a:cs typeface="+mn-lt"/>
-              </a:rPr>
-              <a:t>Isso</a:t>
-            </a:r>
-            <a:r>
-              <a:rPr lang="de-DE" sz="2000" dirty="0">
-                <a:solidFill>
-                  <a:srgbClr val="FFFFFF"/>
-                </a:solidFill>
-                <a:ea typeface="+mn-lt"/>
-                <a:cs typeface="+mn-lt"/>
-              </a:rPr>
-              <a:t> </a:t>
-            </a:r>
-            <a:r>
-              <a:rPr lang="de-DE" sz="2000" err="1">
-                <a:solidFill>
-                  <a:srgbClr val="FFFFFF"/>
-                </a:solidFill>
-                <a:ea typeface="+mn-lt"/>
-                <a:cs typeface="+mn-lt"/>
-              </a:rPr>
-              <a:t>inclui</a:t>
-            </a:r>
-            <a:r>
-              <a:rPr lang="de-DE" sz="2000" dirty="0">
-                <a:solidFill>
-                  <a:srgbClr val="FFFFFF"/>
-                </a:solidFill>
-                <a:ea typeface="+mn-lt"/>
-                <a:cs typeface="+mn-lt"/>
-              </a:rPr>
-              <a:t> </a:t>
-            </a:r>
-            <a:r>
-              <a:rPr lang="de-DE" sz="2000" err="1">
-                <a:solidFill>
-                  <a:srgbClr val="FFFFFF"/>
-                </a:solidFill>
-                <a:ea typeface="+mn-lt"/>
-                <a:cs typeface="+mn-lt"/>
-              </a:rPr>
-              <a:t>hardware</a:t>
-            </a:r>
-            <a:r>
-              <a:rPr lang="de-DE" sz="2000" dirty="0">
-                <a:solidFill>
-                  <a:srgbClr val="FFFFFF"/>
-                </a:solidFill>
-                <a:ea typeface="+mn-lt"/>
-                <a:cs typeface="+mn-lt"/>
-              </a:rPr>
-              <a:t>, </a:t>
-            </a:r>
-            <a:r>
-              <a:rPr lang="de-DE" sz="2000" err="1">
-                <a:solidFill>
-                  <a:srgbClr val="FFFFFF"/>
-                </a:solidFill>
-                <a:ea typeface="+mn-lt"/>
-                <a:cs typeface="+mn-lt"/>
-              </a:rPr>
-              <a:t>software</a:t>
-            </a:r>
-            <a:r>
-              <a:rPr lang="de-DE" sz="2000" dirty="0">
-                <a:solidFill>
-                  <a:srgbClr val="FFFFFF"/>
-                </a:solidFill>
-                <a:ea typeface="+mn-lt"/>
-                <a:cs typeface="+mn-lt"/>
-              </a:rPr>
-              <a:t>, </a:t>
-            </a:r>
-            <a:r>
-              <a:rPr lang="de-DE" sz="2000" err="1">
-                <a:solidFill>
-                  <a:srgbClr val="FFFFFF"/>
-                </a:solidFill>
-                <a:ea typeface="+mn-lt"/>
-                <a:cs typeface="+mn-lt"/>
-              </a:rPr>
-              <a:t>configurações</a:t>
-            </a:r>
-            <a:r>
-              <a:rPr lang="de-DE" sz="2000" dirty="0">
-                <a:solidFill>
-                  <a:srgbClr val="FFFFFF"/>
-                </a:solidFill>
-                <a:ea typeface="+mn-lt"/>
-                <a:cs typeface="+mn-lt"/>
-              </a:rPr>
-              <a:t> de rede e </a:t>
-            </a:r>
-            <a:r>
-              <a:rPr lang="de-DE" sz="2000" err="1">
-                <a:solidFill>
-                  <a:srgbClr val="FFFFFF"/>
-                </a:solidFill>
-                <a:ea typeface="+mn-lt"/>
-                <a:cs typeface="+mn-lt"/>
-              </a:rPr>
-              <a:t>configurações</a:t>
-            </a:r>
-            <a:r>
-              <a:rPr lang="de-DE" sz="2000" dirty="0">
-                <a:solidFill>
-                  <a:srgbClr val="FFFFFF"/>
-                </a:solidFill>
-                <a:ea typeface="+mn-lt"/>
-                <a:cs typeface="+mn-lt"/>
-              </a:rPr>
-              <a:t> de </a:t>
-            </a:r>
-            <a:r>
-              <a:rPr lang="de-DE" sz="2000" err="1">
-                <a:solidFill>
-                  <a:srgbClr val="FFFFFF"/>
-                </a:solidFill>
-                <a:ea typeface="+mn-lt"/>
-                <a:cs typeface="+mn-lt"/>
-              </a:rPr>
-              <a:t>banco</a:t>
-            </a:r>
-            <a:r>
-              <a:rPr lang="de-DE" sz="2000" dirty="0">
-                <a:solidFill>
-                  <a:srgbClr val="FFFFFF"/>
-                </a:solidFill>
-                <a:ea typeface="+mn-lt"/>
-                <a:cs typeface="+mn-lt"/>
-              </a:rPr>
-              <a:t> de </a:t>
-            </a:r>
-            <a:r>
-              <a:rPr lang="de-DE" sz="2000" err="1">
-                <a:solidFill>
-                  <a:srgbClr val="FFFFFF"/>
-                </a:solidFill>
-                <a:ea typeface="+mn-lt"/>
-                <a:cs typeface="+mn-lt"/>
-              </a:rPr>
-              <a:t>dados</a:t>
-            </a:r>
-            <a:endParaRPr lang="de-DE" sz="2000" err="1"/>
+              <a:t>Configure seu ambiente de teste: O ambiente de teste deve imitar o ambiente de produção o máximo possível para obter resultados precisos. Isso inclui hardware, software, configurações de rede e configurações de banco de dados</a:t>
+            </a:r>
+            <a:endParaRPr lang="de-DE" sz="2000" dirty="0"/>
           </a:p>
         </p:txBody>
       </p:sp>
